--- a/document/技術課題_20241220_タツザワ.pptx
+++ b/document/技術課題_20241220_タツザワ.pptx
@@ -6,30 +6,31 @@
   </p:sldMasterIdLst>
   <p:sldIdLst>
     <p:sldId id="256" r:id="rId2"/>
-    <p:sldId id="258" r:id="rId3"/>
-    <p:sldId id="259" r:id="rId4"/>
-    <p:sldId id="257" r:id="rId5"/>
-    <p:sldId id="260" r:id="rId6"/>
-    <p:sldId id="261" r:id="rId7"/>
-    <p:sldId id="262" r:id="rId8"/>
-    <p:sldId id="263" r:id="rId9"/>
-    <p:sldId id="264" r:id="rId10"/>
-    <p:sldId id="265" r:id="rId11"/>
-    <p:sldId id="268" r:id="rId12"/>
-    <p:sldId id="269" r:id="rId13"/>
-    <p:sldId id="270" r:id="rId14"/>
-    <p:sldId id="271" r:id="rId15"/>
-    <p:sldId id="272" r:id="rId16"/>
-    <p:sldId id="273" r:id="rId17"/>
-    <p:sldId id="274" r:id="rId18"/>
-    <p:sldId id="275" r:id="rId19"/>
-    <p:sldId id="277" r:id="rId20"/>
-    <p:sldId id="276" r:id="rId21"/>
-    <p:sldId id="278" r:id="rId22"/>
-    <p:sldId id="279" r:id="rId23"/>
-    <p:sldId id="280" r:id="rId24"/>
-    <p:sldId id="281" r:id="rId25"/>
-    <p:sldId id="282" r:id="rId26"/>
+    <p:sldId id="283" r:id="rId3"/>
+    <p:sldId id="258" r:id="rId4"/>
+    <p:sldId id="259" r:id="rId5"/>
+    <p:sldId id="257" r:id="rId6"/>
+    <p:sldId id="260" r:id="rId7"/>
+    <p:sldId id="261" r:id="rId8"/>
+    <p:sldId id="262" r:id="rId9"/>
+    <p:sldId id="263" r:id="rId10"/>
+    <p:sldId id="264" r:id="rId11"/>
+    <p:sldId id="265" r:id="rId12"/>
+    <p:sldId id="268" r:id="rId13"/>
+    <p:sldId id="269" r:id="rId14"/>
+    <p:sldId id="270" r:id="rId15"/>
+    <p:sldId id="271" r:id="rId16"/>
+    <p:sldId id="272" r:id="rId17"/>
+    <p:sldId id="273" r:id="rId18"/>
+    <p:sldId id="274" r:id="rId19"/>
+    <p:sldId id="275" r:id="rId20"/>
+    <p:sldId id="277" r:id="rId21"/>
+    <p:sldId id="276" r:id="rId22"/>
+    <p:sldId id="278" r:id="rId23"/>
+    <p:sldId id="279" r:id="rId24"/>
+    <p:sldId id="280" r:id="rId25"/>
+    <p:sldId id="281" r:id="rId26"/>
+    <p:sldId id="282" r:id="rId27"/>
   </p:sldIdLst>
   <p:sldSz cx="12192000" cy="6858000"/>
   <p:notesSz cx="6858000" cy="9144000"/>
@@ -3689,7 +3690,7 @@
           <a:bodyPr/>
           <a:lstStyle/>
           <a:p>
-            <a:endParaRPr kumimoji="1" lang="ja-JP" altLang="en-US"/>
+            <a:endParaRPr kumimoji="1" lang="ja-JP" altLang="en-US" dirty="0"/>
           </a:p>
         </p:txBody>
       </p:sp>
@@ -3725,10 +3726,10 @@
       </p:grpSpPr>
       <p:pic>
         <p:nvPicPr>
-          <p:cNvPr id="3" name="図 2">
-            <a:extLst>
-              <a:ext uri="{FF2B5EF4-FFF2-40B4-BE49-F238E27FC236}">
-                <a16:creationId xmlns:a16="http://schemas.microsoft.com/office/drawing/2014/main" id="{FA2FAFB2-E898-6133-4C0A-DF61F4C95A1A}"/>
+          <p:cNvPr id="5" name="図 4">
+            <a:extLst>
+              <a:ext uri="{FF2B5EF4-FFF2-40B4-BE49-F238E27FC236}">
+                <a16:creationId xmlns:a16="http://schemas.microsoft.com/office/drawing/2014/main" id="{41C51E49-E1BA-6E99-A249-91AB209569D7}"/>
               </a:ext>
             </a:extLst>
           </p:cNvPr>
@@ -3745,8 +3746,8 @@
         </p:blipFill>
         <p:spPr>
           <a:xfrm>
-            <a:off x="1752600" y="361950"/>
-            <a:ext cx="8686800" cy="6134100"/>
+            <a:off x="342438" y="238125"/>
+            <a:ext cx="10563225" cy="6381750"/>
           </a:xfrm>
           <a:prstGeom prst="rect">
             <a:avLst/>
@@ -3755,10 +3756,10 @@
       </p:pic>
       <p:sp>
         <p:nvSpPr>
-          <p:cNvPr id="4" name="テキスト ボックス 3">
-            <a:extLst>
-              <a:ext uri="{FF2B5EF4-FFF2-40B4-BE49-F238E27FC236}">
-                <a16:creationId xmlns:a16="http://schemas.microsoft.com/office/drawing/2014/main" id="{37105A7F-4FD5-FFDA-A485-CDA8345325CD}"/>
+          <p:cNvPr id="6" name="テキスト ボックス 5">
+            <a:extLst>
+              <a:ext uri="{FF2B5EF4-FFF2-40B4-BE49-F238E27FC236}">
+                <a16:creationId xmlns:a16="http://schemas.microsoft.com/office/drawing/2014/main" id="{23FA49A7-5A89-101E-FD24-E3A5BA5F29A0}"/>
               </a:ext>
             </a:extLst>
           </p:cNvPr>
@@ -3767,7 +3768,51 @@
         </p:nvSpPr>
         <p:spPr>
           <a:xfrm>
-            <a:off x="6096000" y="2407515"/>
+            <a:off x="7329948" y="4762342"/>
+            <a:ext cx="2411361" cy="369332"/>
+          </a:xfrm>
+          <a:prstGeom prst="rect">
+            <a:avLst/>
+          </a:prstGeom>
+          <a:solidFill>
+            <a:schemeClr val="accent4">
+              <a:lumMod val="20000"/>
+              <a:lumOff val="80000"/>
+            </a:schemeClr>
+          </a:solidFill>
+        </p:spPr>
+        <p:txBody>
+          <a:bodyPr wrap="square" rtlCol="0">
+            <a:spAutoFit/>
+          </a:bodyPr>
+          <a:lstStyle/>
+          <a:p>
+            <a:r>
+              <a:rPr kumimoji="1" lang="en-US" altLang="ja-JP" dirty="0"/>
+              <a:t>API</a:t>
+            </a:r>
+            <a:r>
+              <a:rPr kumimoji="1" lang="ja-JP" altLang="en-US" dirty="0"/>
+              <a:t>の呼び出し方</a:t>
+            </a:r>
+          </a:p>
+        </p:txBody>
+      </p:sp>
+      <p:sp>
+        <p:nvSpPr>
+          <p:cNvPr id="8" name="テキスト ボックス 7">
+            <a:extLst>
+              <a:ext uri="{FF2B5EF4-FFF2-40B4-BE49-F238E27FC236}">
+                <a16:creationId xmlns:a16="http://schemas.microsoft.com/office/drawing/2014/main" id="{E005CC48-9458-C122-30E7-855C0A6472D1}"/>
+              </a:ext>
+            </a:extLst>
+          </p:cNvPr>
+          <p:cNvSpPr txBox="1"/>
+          <p:nvPr/>
+        </p:nvSpPr>
+        <p:spPr>
+          <a:xfrm>
+            <a:off x="2187677" y="1950315"/>
             <a:ext cx="2900517" cy="646331"/>
           </a:xfrm>
           <a:prstGeom prst="rect">
@@ -3788,15 +3833,7 @@
           <a:p>
             <a:r>
               <a:rPr lang="ja-JP" altLang="en-US" dirty="0"/>
-              <a:t>取得したデータを</a:t>
-            </a:r>
-            <a:r>
-              <a:rPr lang="en-US" altLang="ja-JP" dirty="0"/>
-              <a:t>state</a:t>
-            </a:r>
-            <a:r>
-              <a:rPr lang="ja-JP" altLang="en-US" dirty="0"/>
-              <a:t>にセットする</a:t>
+              <a:t>別のファイルに定義した処理の利用方法</a:t>
             </a:r>
             <a:endParaRPr kumimoji="1" lang="ja-JP" altLang="en-US" dirty="0"/>
           </a:p>
@@ -3804,55 +3841,10 @@
       </p:sp>
       <p:sp>
         <p:nvSpPr>
-          <p:cNvPr id="5" name="テキスト ボックス 4">
-            <a:extLst>
-              <a:ext uri="{FF2B5EF4-FFF2-40B4-BE49-F238E27FC236}">
-                <a16:creationId xmlns:a16="http://schemas.microsoft.com/office/drawing/2014/main" id="{6DBEC505-5C30-0C77-2563-F4DF022EF4DD}"/>
-              </a:ext>
-            </a:extLst>
-          </p:cNvPr>
-          <p:cNvSpPr txBox="1"/>
-          <p:nvPr/>
-        </p:nvSpPr>
-        <p:spPr>
-          <a:xfrm>
-            <a:off x="6410633" y="4128616"/>
-            <a:ext cx="3382296" cy="646331"/>
-          </a:xfrm>
-          <a:prstGeom prst="rect">
-            <a:avLst/>
-          </a:prstGeom>
-          <a:solidFill>
-            <a:schemeClr val="accent4">
-              <a:lumMod val="20000"/>
-              <a:lumOff val="80000"/>
-            </a:schemeClr>
-          </a:solidFill>
-        </p:spPr>
-        <p:txBody>
-          <a:bodyPr wrap="square" rtlCol="0">
-            <a:spAutoFit/>
-          </a:bodyPr>
-          <a:lstStyle/>
-          <a:p>
-            <a:r>
-              <a:rPr lang="en-US" altLang="ja-JP" dirty="0" err="1"/>
-              <a:t>ProfileData</a:t>
-            </a:r>
-            <a:r>
-              <a:rPr lang="ja-JP" altLang="en-US" dirty="0"/>
-              <a:t>というパーツに渡している</a:t>
-            </a:r>
-            <a:endParaRPr kumimoji="1" lang="ja-JP" altLang="en-US" dirty="0"/>
-          </a:p>
-        </p:txBody>
-      </p:sp>
-      <p:sp>
-        <p:nvSpPr>
-          <p:cNvPr id="6" name="四角形: 角を丸くする 5">
-            <a:extLst>
-              <a:ext uri="{FF2B5EF4-FFF2-40B4-BE49-F238E27FC236}">
-                <a16:creationId xmlns:a16="http://schemas.microsoft.com/office/drawing/2014/main" id="{1003424A-08C2-D2CD-143B-67A95DAF5C4C}"/>
+          <p:cNvPr id="9" name="四角形: 角を丸くする 8">
+            <a:extLst>
+              <a:ext uri="{FF2B5EF4-FFF2-40B4-BE49-F238E27FC236}">
+                <a16:creationId xmlns:a16="http://schemas.microsoft.com/office/drawing/2014/main" id="{E077724A-D701-7E9B-5ED6-28DA0D77F69D}"/>
               </a:ext>
             </a:extLst>
           </p:cNvPr>
@@ -3897,7 +3889,7 @@
     </p:spTree>
     <p:extLst>
       <p:ext uri="{BB962C8B-B14F-4D97-AF65-F5344CB8AC3E}">
-        <p14:creationId xmlns:p14="http://schemas.microsoft.com/office/powerpoint/2010/main" val="30982415"/>
+        <p14:creationId xmlns:p14="http://schemas.microsoft.com/office/powerpoint/2010/main" val="1681501239"/>
       </p:ext>
     </p:extLst>
   </p:cSld>
@@ -3924,6 +3916,207 @@
           <a:chExt cx="0" cy="0"/>
         </a:xfrm>
       </p:grpSpPr>
+      <p:pic>
+        <p:nvPicPr>
+          <p:cNvPr id="3" name="図 2">
+            <a:extLst>
+              <a:ext uri="{FF2B5EF4-FFF2-40B4-BE49-F238E27FC236}">
+                <a16:creationId xmlns:a16="http://schemas.microsoft.com/office/drawing/2014/main" id="{FA2FAFB2-E898-6133-4C0A-DF61F4C95A1A}"/>
+              </a:ext>
+            </a:extLst>
+          </p:cNvPr>
+          <p:cNvPicPr>
+            <a:picLocks noChangeAspect="1"/>
+          </p:cNvPicPr>
+          <p:nvPr/>
+        </p:nvPicPr>
+        <p:blipFill>
+          <a:blip r:embed="rId2"/>
+          <a:stretch>
+            <a:fillRect/>
+          </a:stretch>
+        </p:blipFill>
+        <p:spPr>
+          <a:xfrm>
+            <a:off x="1752600" y="361950"/>
+            <a:ext cx="8686800" cy="6134100"/>
+          </a:xfrm>
+          <a:prstGeom prst="rect">
+            <a:avLst/>
+          </a:prstGeom>
+        </p:spPr>
+      </p:pic>
+      <p:sp>
+        <p:nvSpPr>
+          <p:cNvPr id="4" name="テキスト ボックス 3">
+            <a:extLst>
+              <a:ext uri="{FF2B5EF4-FFF2-40B4-BE49-F238E27FC236}">
+                <a16:creationId xmlns:a16="http://schemas.microsoft.com/office/drawing/2014/main" id="{37105A7F-4FD5-FFDA-A485-CDA8345325CD}"/>
+              </a:ext>
+            </a:extLst>
+          </p:cNvPr>
+          <p:cNvSpPr txBox="1"/>
+          <p:nvPr/>
+        </p:nvSpPr>
+        <p:spPr>
+          <a:xfrm>
+            <a:off x="6096000" y="2407515"/>
+            <a:ext cx="2900517" cy="646331"/>
+          </a:xfrm>
+          <a:prstGeom prst="rect">
+            <a:avLst/>
+          </a:prstGeom>
+          <a:solidFill>
+            <a:schemeClr val="accent4">
+              <a:lumMod val="20000"/>
+              <a:lumOff val="80000"/>
+            </a:schemeClr>
+          </a:solidFill>
+        </p:spPr>
+        <p:txBody>
+          <a:bodyPr wrap="square" rtlCol="0">
+            <a:spAutoFit/>
+          </a:bodyPr>
+          <a:lstStyle/>
+          <a:p>
+            <a:r>
+              <a:rPr lang="ja-JP" altLang="en-US" dirty="0"/>
+              <a:t>取得したデータを</a:t>
+            </a:r>
+            <a:r>
+              <a:rPr lang="en-US" altLang="ja-JP" dirty="0"/>
+              <a:t>state</a:t>
+            </a:r>
+            <a:r>
+              <a:rPr lang="ja-JP" altLang="en-US" dirty="0"/>
+              <a:t>にセットする</a:t>
+            </a:r>
+            <a:endParaRPr kumimoji="1" lang="ja-JP" altLang="en-US" dirty="0"/>
+          </a:p>
+        </p:txBody>
+      </p:sp>
+      <p:sp>
+        <p:nvSpPr>
+          <p:cNvPr id="5" name="テキスト ボックス 4">
+            <a:extLst>
+              <a:ext uri="{FF2B5EF4-FFF2-40B4-BE49-F238E27FC236}">
+                <a16:creationId xmlns:a16="http://schemas.microsoft.com/office/drawing/2014/main" id="{6DBEC505-5C30-0C77-2563-F4DF022EF4DD}"/>
+              </a:ext>
+            </a:extLst>
+          </p:cNvPr>
+          <p:cNvSpPr txBox="1"/>
+          <p:nvPr/>
+        </p:nvSpPr>
+        <p:spPr>
+          <a:xfrm>
+            <a:off x="6410633" y="4128616"/>
+            <a:ext cx="3382296" cy="646331"/>
+          </a:xfrm>
+          <a:prstGeom prst="rect">
+            <a:avLst/>
+          </a:prstGeom>
+          <a:solidFill>
+            <a:schemeClr val="accent4">
+              <a:lumMod val="20000"/>
+              <a:lumOff val="80000"/>
+            </a:schemeClr>
+          </a:solidFill>
+        </p:spPr>
+        <p:txBody>
+          <a:bodyPr wrap="square" rtlCol="0">
+            <a:spAutoFit/>
+          </a:bodyPr>
+          <a:lstStyle/>
+          <a:p>
+            <a:r>
+              <a:rPr lang="en-US" altLang="ja-JP" dirty="0" err="1"/>
+              <a:t>ProfileData</a:t>
+            </a:r>
+            <a:r>
+              <a:rPr lang="ja-JP" altLang="en-US" dirty="0"/>
+              <a:t>というパーツに渡している</a:t>
+            </a:r>
+            <a:endParaRPr kumimoji="1" lang="ja-JP" altLang="en-US" dirty="0"/>
+          </a:p>
+        </p:txBody>
+      </p:sp>
+      <p:sp>
+        <p:nvSpPr>
+          <p:cNvPr id="6" name="四角形: 角を丸くする 5">
+            <a:extLst>
+              <a:ext uri="{FF2B5EF4-FFF2-40B4-BE49-F238E27FC236}">
+                <a16:creationId xmlns:a16="http://schemas.microsoft.com/office/drawing/2014/main" id="{1003424A-08C2-D2CD-143B-67A95DAF5C4C}"/>
+              </a:ext>
+            </a:extLst>
+          </p:cNvPr>
+          <p:cNvSpPr/>
+          <p:nvPr/>
+        </p:nvSpPr>
+        <p:spPr>
+          <a:xfrm>
+            <a:off x="11225213" y="103239"/>
+            <a:ext cx="884904" cy="545690"/>
+          </a:xfrm>
+          <a:prstGeom prst="roundRect">
+            <a:avLst/>
+          </a:prstGeom>
+        </p:spPr>
+        <p:style>
+          <a:lnRef idx="3">
+            <a:schemeClr val="lt1"/>
+          </a:lnRef>
+          <a:fillRef idx="1">
+            <a:schemeClr val="accent1"/>
+          </a:fillRef>
+          <a:effectRef idx="1">
+            <a:schemeClr val="accent1"/>
+          </a:effectRef>
+          <a:fontRef idx="minor">
+            <a:schemeClr val="lt1"/>
+          </a:fontRef>
+        </p:style>
+        <p:txBody>
+          <a:bodyPr rtlCol="0" anchor="ctr"/>
+          <a:lstStyle/>
+          <a:p>
+            <a:pPr algn="ctr"/>
+            <a:r>
+              <a:rPr kumimoji="1" lang="ja-JP" altLang="en-US" dirty="0"/>
+              <a:t>参考</a:t>
+            </a:r>
+          </a:p>
+        </p:txBody>
+      </p:sp>
+    </p:spTree>
+    <p:extLst>
+      <p:ext uri="{BB962C8B-B14F-4D97-AF65-F5344CB8AC3E}">
+        <p14:creationId xmlns:p14="http://schemas.microsoft.com/office/powerpoint/2010/main" val="30982415"/>
+      </p:ext>
+    </p:extLst>
+  </p:cSld>
+  <p:clrMapOvr>
+    <a:masterClrMapping/>
+  </p:clrMapOvr>
+</p:sld>
+</file>
+
+<file path=ppt/slides/slide12.xml><?xml version="1.0" encoding="utf-8"?>
+<p:sld xmlns:a="http://schemas.openxmlformats.org/drawingml/2006/main" xmlns:r="http://schemas.openxmlformats.org/officeDocument/2006/relationships" xmlns:p="http://schemas.openxmlformats.org/presentationml/2006/main">
+  <p:cSld>
+    <p:spTree>
+      <p:nvGrpSpPr>
+        <p:cNvPr id="1" name=""/>
+        <p:cNvGrpSpPr/>
+        <p:nvPr/>
+      </p:nvGrpSpPr>
+      <p:grpSpPr>
+        <a:xfrm>
+          <a:off x="0" y="0"/>
+          <a:ext cx="0" cy="0"/>
+          <a:chOff x="0" y="0"/>
+          <a:chExt cx="0" cy="0"/>
+        </a:xfrm>
+      </p:grpSpPr>
       <p:sp>
         <p:nvSpPr>
           <p:cNvPr id="2" name="タイトル 1">
@@ -4090,7 +4283,7 @@
 </p:sld>
 </file>
 
-<file path=ppt/slides/slide12.xml><?xml version="1.0" encoding="utf-8"?>
+<file path=ppt/slides/slide13.xml><?xml version="1.0" encoding="utf-8"?>
 <p:sld xmlns:a="http://schemas.openxmlformats.org/drawingml/2006/main" xmlns:r="http://schemas.openxmlformats.org/officeDocument/2006/relationships" xmlns:p="http://schemas.openxmlformats.org/presentationml/2006/main">
   <p:cSld>
     <p:spTree>
@@ -4183,7 +4376,7 @@
 </p:sld>
 </file>
 
-<file path=ppt/slides/slide13.xml><?xml version="1.0" encoding="utf-8"?>
+<file path=ppt/slides/slide14.xml><?xml version="1.0" encoding="utf-8"?>
 <p:sld xmlns:a="http://schemas.openxmlformats.org/drawingml/2006/main" xmlns:r="http://schemas.openxmlformats.org/officeDocument/2006/relationships" xmlns:p="http://schemas.openxmlformats.org/presentationml/2006/main">
   <p:cSld>
     <p:spTree>
@@ -4418,7 +4611,7 @@
 </p:sld>
 </file>
 
-<file path=ppt/slides/slide14.xml><?xml version="1.0" encoding="utf-8"?>
+<file path=ppt/slides/slide15.xml><?xml version="1.0" encoding="utf-8"?>
 <p:sld xmlns:a="http://schemas.openxmlformats.org/drawingml/2006/main" xmlns:r="http://schemas.openxmlformats.org/officeDocument/2006/relationships" xmlns:p="http://schemas.openxmlformats.org/presentationml/2006/main">
   <p:cSld>
     <p:spTree>
@@ -4620,7 +4813,7 @@
 </p:sld>
 </file>
 
-<file path=ppt/slides/slide15.xml><?xml version="1.0" encoding="utf-8"?>
+<file path=ppt/slides/slide16.xml><?xml version="1.0" encoding="utf-8"?>
 <p:sld xmlns:a="http://schemas.openxmlformats.org/drawingml/2006/main" xmlns:r="http://schemas.openxmlformats.org/officeDocument/2006/relationships" xmlns:p="http://schemas.openxmlformats.org/presentationml/2006/main">
   <p:cSld>
     <p:spTree>
@@ -4713,7 +4906,7 @@
 </p:sld>
 </file>
 
-<file path=ppt/slides/slide16.xml><?xml version="1.0" encoding="utf-8"?>
+<file path=ppt/slides/slide17.xml><?xml version="1.0" encoding="utf-8"?>
 <p:sld xmlns:a="http://schemas.openxmlformats.org/drawingml/2006/main" xmlns:r="http://schemas.openxmlformats.org/officeDocument/2006/relationships" xmlns:p="http://schemas.openxmlformats.org/presentationml/2006/main">
   <p:cSld>
     <p:spTree>
@@ -4938,7 +5131,7 @@
 </p:sld>
 </file>
 
-<file path=ppt/slides/slide17.xml><?xml version="1.0" encoding="utf-8"?>
+<file path=ppt/slides/slide18.xml><?xml version="1.0" encoding="utf-8"?>
 <p:sld xmlns:a="http://schemas.openxmlformats.org/drawingml/2006/main" xmlns:r="http://schemas.openxmlformats.org/officeDocument/2006/relationships" xmlns:p="http://schemas.openxmlformats.org/presentationml/2006/main">
   <p:cSld>
     <p:spTree>
@@ -5191,7 +5384,7 @@
 </p:sld>
 </file>
 
-<file path=ppt/slides/slide18.xml><?xml version="1.0" encoding="utf-8"?>
+<file path=ppt/slides/slide19.xml><?xml version="1.0" encoding="utf-8"?>
 <p:sld xmlns:a="http://schemas.openxmlformats.org/drawingml/2006/main" xmlns:r="http://schemas.openxmlformats.org/officeDocument/2006/relationships" xmlns:p="http://schemas.openxmlformats.org/presentationml/2006/main">
   <p:cSld>
     <p:spTree>
@@ -5309,85 +5502,6 @@
             <a:r>
               <a:rPr lang="ja-JP" altLang="en-US" dirty="0"/>
               <a:t>で利用</a:t>
-            </a:r>
-            <a:endParaRPr lang="en-US" altLang="ja-JP" dirty="0"/>
-          </a:p>
-          <a:p>
-            <a:endParaRPr lang="en-US" altLang="ja-JP" dirty="0"/>
-          </a:p>
-          <a:p>
-            <a:r>
-              <a:rPr lang="en-US" altLang="ja-JP" dirty="0"/>
-              <a:t>CSV</a:t>
-            </a:r>
-            <a:r>
-              <a:rPr lang="ja-JP" altLang="en-US" dirty="0"/>
-              <a:t>の記事で</a:t>
-            </a:r>
-            <a:r>
-              <a:rPr lang="en-US" altLang="ja-JP" dirty="0"/>
-              <a:t>props</a:t>
-            </a:r>
-            <a:r>
-              <a:rPr lang="ja-JP" altLang="en-US" dirty="0"/>
-              <a:t>を使っていたので真似して、</a:t>
-            </a:r>
-            <a:br>
-              <a:rPr lang="en-US" altLang="ja-JP" dirty="0"/>
-            </a:br>
-            <a:r>
-              <a:rPr lang="ja-JP" altLang="en-US" dirty="0"/>
-              <a:t>ロジック</a:t>
-            </a:r>
-            <a:r>
-              <a:rPr lang="en-US" altLang="ja-JP" dirty="0"/>
-              <a:t>(.</a:t>
-            </a:r>
-            <a:r>
-              <a:rPr lang="en-US" altLang="ja-JP" dirty="0" err="1"/>
-              <a:t>js</a:t>
-            </a:r>
-            <a:r>
-              <a:rPr lang="en-US" altLang="ja-JP" dirty="0"/>
-              <a:t>)</a:t>
-            </a:r>
-            <a:r>
-              <a:rPr lang="ja-JP" altLang="en-US" dirty="0"/>
-              <a:t>に</a:t>
-            </a:r>
-            <a:r>
-              <a:rPr lang="en-US" altLang="ja-JP" dirty="0"/>
-              <a:t>CSV</a:t>
-            </a:r>
-            <a:r>
-              <a:rPr lang="ja-JP" altLang="en-US" dirty="0"/>
-              <a:t>の内容を</a:t>
-            </a:r>
-            <a:r>
-              <a:rPr lang="en-US" altLang="ja-JP" dirty="0"/>
-              <a:t>props</a:t>
-            </a:r>
-            <a:r>
-              <a:rPr lang="ja-JP" altLang="en-US" dirty="0"/>
-              <a:t>で渡そうとしましたが、</a:t>
-            </a:r>
-            <a:br>
-              <a:rPr lang="en-US" altLang="ja-JP" dirty="0"/>
-            </a:br>
-            <a:r>
-              <a:rPr lang="ja-JP" altLang="en-US" dirty="0"/>
-              <a:t>値が入らず断念しました。</a:t>
-            </a:r>
-            <a:br>
-              <a:rPr lang="en-US" altLang="ja-JP" dirty="0"/>
-            </a:br>
-            <a:r>
-              <a:rPr lang="en-US" altLang="ja-JP" dirty="0"/>
-              <a:t>Props</a:t>
-            </a:r>
-            <a:r>
-              <a:rPr lang="ja-JP" altLang="en-US" dirty="0"/>
-              <a:t>、おそらく画面の制御などに使うものでデータの受け渡しをするものではない・・・？</a:t>
             </a:r>
             <a:endParaRPr lang="en-US" altLang="ja-JP" dirty="0"/>
           </a:p>
@@ -5444,265 +5558,6 @@
     <p:extLst>
       <p:ext uri="{BB962C8B-B14F-4D97-AF65-F5344CB8AC3E}">
         <p14:creationId xmlns:p14="http://schemas.microsoft.com/office/powerpoint/2010/main" val="2703228105"/>
-      </p:ext>
-    </p:extLst>
-  </p:cSld>
-  <p:clrMapOvr>
-    <a:masterClrMapping/>
-  </p:clrMapOvr>
-</p:sld>
-</file>
-
-<file path=ppt/slides/slide19.xml><?xml version="1.0" encoding="utf-8"?>
-<p:sld xmlns:a="http://schemas.openxmlformats.org/drawingml/2006/main" xmlns:r="http://schemas.openxmlformats.org/officeDocument/2006/relationships" xmlns:p="http://schemas.openxmlformats.org/presentationml/2006/main">
-  <p:cSld>
-    <p:spTree>
-      <p:nvGrpSpPr>
-        <p:cNvPr id="1" name="">
-          <a:extLst>
-            <a:ext uri="{FF2B5EF4-FFF2-40B4-BE49-F238E27FC236}">
-              <a16:creationId xmlns:a16="http://schemas.microsoft.com/office/drawing/2014/main" id="{BB9AD90A-A69A-C0DC-7F23-37F6AC79D472}"/>
-            </a:ext>
-          </a:extLst>
-        </p:cNvPr>
-        <p:cNvGrpSpPr/>
-        <p:nvPr/>
-      </p:nvGrpSpPr>
-      <p:grpSpPr>
-        <a:xfrm>
-          <a:off x="0" y="0"/>
-          <a:ext cx="0" cy="0"/>
-          <a:chOff x="0" y="0"/>
-          <a:chExt cx="0" cy="0"/>
-        </a:xfrm>
-      </p:grpSpPr>
-      <p:sp>
-        <p:nvSpPr>
-          <p:cNvPr id="2" name="タイトル 1">
-            <a:extLst>
-              <a:ext uri="{FF2B5EF4-FFF2-40B4-BE49-F238E27FC236}">
-                <a16:creationId xmlns:a16="http://schemas.microsoft.com/office/drawing/2014/main" id="{9ABD06F8-C835-22CB-69D4-3F4A5CB75D7F}"/>
-              </a:ext>
-            </a:extLst>
-          </p:cNvPr>
-          <p:cNvSpPr>
-            <a:spLocks noGrp="1"/>
-          </p:cNvSpPr>
-          <p:nvPr>
-            <p:ph type="title"/>
-          </p:nvPr>
-        </p:nvSpPr>
-        <p:spPr/>
-        <p:txBody>
-          <a:bodyPr/>
-          <a:lstStyle/>
-          <a:p>
-            <a:r>
-              <a:rPr kumimoji="1" lang="en-US" altLang="ja-JP" dirty="0" err="1"/>
-              <a:t>EstatDataForm.jsx</a:t>
-            </a:r>
-            <a:endParaRPr kumimoji="1" lang="ja-JP" altLang="en-US" dirty="0"/>
-          </a:p>
-        </p:txBody>
-      </p:sp>
-      <p:sp>
-        <p:nvSpPr>
-          <p:cNvPr id="3" name="コンテンツ プレースホルダー 2">
-            <a:extLst>
-              <a:ext uri="{FF2B5EF4-FFF2-40B4-BE49-F238E27FC236}">
-                <a16:creationId xmlns:a16="http://schemas.microsoft.com/office/drawing/2014/main" id="{617F0369-7EEE-3145-2AA3-068944884734}"/>
-              </a:ext>
-            </a:extLst>
-          </p:cNvPr>
-          <p:cNvSpPr>
-            <a:spLocks noGrp="1"/>
-          </p:cNvSpPr>
-          <p:nvPr>
-            <p:ph idx="1"/>
-          </p:nvPr>
-        </p:nvSpPr>
-        <p:spPr/>
-        <p:txBody>
-          <a:bodyPr/>
-          <a:lstStyle/>
-          <a:p>
-            <a:r>
-              <a:rPr lang="en-US" altLang="ja-JP" dirty="0"/>
-              <a:t>CSV</a:t>
-            </a:r>
-            <a:r>
-              <a:rPr lang="ja-JP" altLang="en-US" dirty="0"/>
-              <a:t>の記事で</a:t>
-            </a:r>
-            <a:r>
-              <a:rPr lang="en-US" altLang="ja-JP" dirty="0"/>
-              <a:t>props</a:t>
-            </a:r>
-            <a:r>
-              <a:rPr lang="ja-JP" altLang="en-US" dirty="0"/>
-              <a:t>を使っていたので真似して、</a:t>
-            </a:r>
-            <a:br>
-              <a:rPr lang="en-US" altLang="ja-JP" dirty="0"/>
-            </a:br>
-            <a:r>
-              <a:rPr lang="ja-JP" altLang="en-US" dirty="0"/>
-              <a:t>ロジック</a:t>
-            </a:r>
-            <a:r>
-              <a:rPr lang="en-US" altLang="ja-JP" dirty="0"/>
-              <a:t>(.</a:t>
-            </a:r>
-            <a:r>
-              <a:rPr lang="en-US" altLang="ja-JP" dirty="0" err="1"/>
-              <a:t>js</a:t>
-            </a:r>
-            <a:r>
-              <a:rPr lang="en-US" altLang="ja-JP" dirty="0"/>
-              <a:t>)</a:t>
-            </a:r>
-            <a:r>
-              <a:rPr lang="ja-JP" altLang="en-US" dirty="0"/>
-              <a:t>に</a:t>
-            </a:r>
-            <a:r>
-              <a:rPr lang="en-US" altLang="ja-JP" dirty="0"/>
-              <a:t>CSV</a:t>
-            </a:r>
-            <a:r>
-              <a:rPr lang="ja-JP" altLang="en-US" dirty="0"/>
-              <a:t>の内容を</a:t>
-            </a:r>
-            <a:r>
-              <a:rPr lang="en-US" altLang="ja-JP" dirty="0"/>
-              <a:t>props</a:t>
-            </a:r>
-            <a:r>
-              <a:rPr lang="ja-JP" altLang="en-US" dirty="0"/>
-              <a:t>で渡す</a:t>
-            </a:r>
-            <a:br>
-              <a:rPr lang="en-US" altLang="ja-JP" dirty="0"/>
-            </a:br>
-            <a:r>
-              <a:rPr lang="ja-JP" altLang="en-US" dirty="0"/>
-              <a:t>⇒値が入らず断念しました。</a:t>
-            </a:r>
-            <a:br>
-              <a:rPr lang="en-US" altLang="ja-JP" dirty="0"/>
-            </a:br>
-            <a:r>
-              <a:rPr lang="en-US" altLang="ja-JP" dirty="0"/>
-              <a:t>Props</a:t>
-            </a:r>
-            <a:r>
-              <a:rPr lang="ja-JP" altLang="en-US" dirty="0"/>
-              <a:t>、おそらく画面の制御などに使うものでデータの受け渡しをするものではない・・・？</a:t>
-            </a:r>
-            <a:endParaRPr lang="en-US" altLang="ja-JP" dirty="0"/>
-          </a:p>
-          <a:p>
-            <a:endParaRPr lang="en-US" altLang="ja-JP" dirty="0"/>
-          </a:p>
-          <a:p>
-            <a:r>
-              <a:rPr lang="en-US" altLang="ja-JP" dirty="0"/>
-              <a:t>form</a:t>
-            </a:r>
-            <a:r>
-              <a:rPr lang="ja-JP" altLang="en-US" dirty="0"/>
-              <a:t>と</a:t>
-            </a:r>
-            <a:r>
-              <a:rPr lang="en-US" altLang="ja-JP" dirty="0"/>
-              <a:t>table</a:t>
-            </a:r>
-            <a:r>
-              <a:rPr lang="ja-JP" altLang="en-US" dirty="0"/>
-              <a:t>のコンポーネントを分けて、</a:t>
-            </a:r>
-            <a:r>
-              <a:rPr lang="en-US" altLang="ja-JP" dirty="0"/>
-              <a:t>props</a:t>
-            </a:r>
-            <a:r>
-              <a:rPr lang="ja-JP" altLang="en-US" dirty="0"/>
-              <a:t>で受け渡す</a:t>
-            </a:r>
-            <a:br>
-              <a:rPr lang="en-US" altLang="ja-JP" dirty="0"/>
-            </a:br>
-            <a:r>
-              <a:rPr lang="ja-JP" altLang="en-US" dirty="0"/>
-              <a:t>⇒値が入らず断念しました。</a:t>
-            </a:r>
-            <a:br>
-              <a:rPr lang="en-US" altLang="ja-JP" dirty="0"/>
-            </a:br>
-            <a:r>
-              <a:rPr lang="en-US" altLang="ja-JP" dirty="0"/>
-              <a:t>Async</a:t>
-            </a:r>
-            <a:r>
-              <a:rPr lang="ja-JP" altLang="en-US" dirty="0"/>
-              <a:t>でなければ使えた・・・？</a:t>
-            </a:r>
-            <a:endParaRPr lang="en-US" altLang="ja-JP" dirty="0"/>
-          </a:p>
-        </p:txBody>
-      </p:sp>
-      <p:sp>
-        <p:nvSpPr>
-          <p:cNvPr id="5" name="四角形: 角を丸くする 4">
-            <a:extLst>
-              <a:ext uri="{FF2B5EF4-FFF2-40B4-BE49-F238E27FC236}">
-                <a16:creationId xmlns:a16="http://schemas.microsoft.com/office/drawing/2014/main" id="{27284BB6-F8A6-BA35-6DB9-A4DAE6EF5CF0}"/>
-              </a:ext>
-            </a:extLst>
-          </p:cNvPr>
-          <p:cNvSpPr/>
-          <p:nvPr/>
-        </p:nvSpPr>
-        <p:spPr>
-          <a:xfrm>
-            <a:off x="11225213" y="103239"/>
-            <a:ext cx="884904" cy="545690"/>
-          </a:xfrm>
-          <a:prstGeom prst="roundRect">
-            <a:avLst/>
-          </a:prstGeom>
-        </p:spPr>
-        <p:style>
-          <a:lnRef idx="3">
-            <a:schemeClr val="lt1"/>
-          </a:lnRef>
-          <a:fillRef idx="1">
-            <a:schemeClr val="accent3"/>
-          </a:fillRef>
-          <a:effectRef idx="1">
-            <a:schemeClr val="accent3"/>
-          </a:effectRef>
-          <a:fontRef idx="minor">
-            <a:schemeClr val="lt1"/>
-          </a:fontRef>
-        </p:style>
-        <p:txBody>
-          <a:bodyPr rtlCol="0" anchor="ctr"/>
-          <a:lstStyle/>
-          <a:p>
-            <a:pPr algn="ctr"/>
-            <a:r>
-              <a:rPr kumimoji="1" lang="en-US" altLang="ja-JP" dirty="0"/>
-              <a:t>NG</a:t>
-            </a:r>
-            <a:endParaRPr kumimoji="1" lang="ja-JP" altLang="en-US" dirty="0"/>
-          </a:p>
-        </p:txBody>
-      </p:sp>
-    </p:spTree>
-    <p:extLst>
-      <p:ext uri="{BB962C8B-B14F-4D97-AF65-F5344CB8AC3E}">
-        <p14:creationId xmlns:p14="http://schemas.microsoft.com/office/powerpoint/2010/main" val="511953137"/>
       </p:ext>
     </p:extLst>
   </p:cSld>
@@ -5731,516 +5586,70 @@
       </p:grpSpPr>
       <p:sp>
         <p:nvSpPr>
-          <p:cNvPr id="2" name="タイトル 1">
-            <a:extLst>
-              <a:ext uri="{FF2B5EF4-FFF2-40B4-BE49-F238E27FC236}">
-                <a16:creationId xmlns:a16="http://schemas.microsoft.com/office/drawing/2014/main" id="{ACFBEAA7-3014-F4D8-B55F-6796AD8E2A51}"/>
-              </a:ext>
-            </a:extLst>
-          </p:cNvPr>
-          <p:cNvSpPr>
-            <a:spLocks noGrp="1"/>
-          </p:cNvSpPr>
-          <p:nvPr>
-            <p:ph type="title"/>
-          </p:nvPr>
-        </p:nvSpPr>
-        <p:spPr/>
-        <p:txBody>
-          <a:bodyPr/>
-          <a:lstStyle/>
-          <a:p>
-            <a:r>
-              <a:rPr kumimoji="1" lang="ja-JP" altLang="en-US" dirty="0"/>
-              <a:t>実装内容概要</a:t>
-            </a:r>
-          </a:p>
-        </p:txBody>
-      </p:sp>
-      <p:pic>
-        <p:nvPicPr>
-          <p:cNvPr id="5" name="コンテンツ プレースホルダー 4">
-            <a:extLst>
-              <a:ext uri="{FF2B5EF4-FFF2-40B4-BE49-F238E27FC236}">
-                <a16:creationId xmlns:a16="http://schemas.microsoft.com/office/drawing/2014/main" id="{07885713-A543-FF22-1177-AC1B879FBF21}"/>
-              </a:ext>
-            </a:extLst>
-          </p:cNvPr>
-          <p:cNvPicPr>
-            <a:picLocks noGrp="1" noChangeAspect="1"/>
-          </p:cNvPicPr>
+          <p:cNvPr id="3" name="コンテンツ プレースホルダー 2">
+            <a:extLst>
+              <a:ext uri="{FF2B5EF4-FFF2-40B4-BE49-F238E27FC236}">
+                <a16:creationId xmlns:a16="http://schemas.microsoft.com/office/drawing/2014/main" id="{EA17BCC5-AE97-8EBD-AE7D-F3BBCBFE4A28}"/>
+              </a:ext>
+            </a:extLst>
+          </p:cNvPr>
+          <p:cNvSpPr>
+            <a:spLocks noGrp="1"/>
+          </p:cNvSpPr>
           <p:nvPr>
             <p:ph idx="1"/>
           </p:nvPr>
-        </p:nvPicPr>
-        <p:blipFill>
-          <a:blip r:embed="rId2"/>
-          <a:stretch>
-            <a:fillRect/>
-          </a:stretch>
-        </p:blipFill>
+        </p:nvSpPr>
         <p:spPr>
           <a:xfrm>
-            <a:off x="3221290" y="2728453"/>
-            <a:ext cx="7146344" cy="3330549"/>
+            <a:off x="838200" y="546100"/>
+            <a:ext cx="10515600" cy="5630863"/>
           </a:xfrm>
-          <a:ln>
-            <a:solidFill>
-              <a:schemeClr val="accent3"/>
-            </a:solidFill>
-          </a:ln>
         </p:spPr>
-      </p:pic>
-      <p:pic>
-        <p:nvPicPr>
-          <p:cNvPr id="7" name="図 6">
-            <a:extLst>
-              <a:ext uri="{FF2B5EF4-FFF2-40B4-BE49-F238E27FC236}">
-                <a16:creationId xmlns:a16="http://schemas.microsoft.com/office/drawing/2014/main" id="{4E70C1C2-8A1B-3339-EAB8-8D154AFCA964}"/>
-              </a:ext>
-            </a:extLst>
-          </p:cNvPr>
-          <p:cNvPicPr>
-            <a:picLocks noChangeAspect="1"/>
-          </p:cNvPicPr>
-          <p:nvPr/>
-        </p:nvPicPr>
-        <p:blipFill>
-          <a:blip r:embed="rId3"/>
-          <a:stretch>
-            <a:fillRect/>
-          </a:stretch>
-        </p:blipFill>
-        <p:spPr>
-          <a:xfrm>
-            <a:off x="263011" y="4696759"/>
-            <a:ext cx="4267200" cy="1600200"/>
-          </a:xfrm>
-          <a:prstGeom prst="rect">
-            <a:avLst/>
-          </a:prstGeom>
-          <a:ln>
-            <a:solidFill>
-              <a:schemeClr val="accent3"/>
-            </a:solidFill>
-          </a:ln>
-        </p:spPr>
-      </p:pic>
-      <p:sp>
-        <p:nvSpPr>
-          <p:cNvPr id="8" name="矢印: 折線 7">
-            <a:extLst>
-              <a:ext uri="{FF2B5EF4-FFF2-40B4-BE49-F238E27FC236}">
-                <a16:creationId xmlns:a16="http://schemas.microsoft.com/office/drawing/2014/main" id="{42551373-2E16-3A0E-C79D-5B8C31DA2244}"/>
-              </a:ext>
-            </a:extLst>
-          </p:cNvPr>
-          <p:cNvSpPr/>
-          <p:nvPr/>
-        </p:nvSpPr>
-        <p:spPr>
-          <a:xfrm>
-            <a:off x="1299086" y="2728453"/>
-            <a:ext cx="1858297" cy="1915306"/>
-          </a:xfrm>
-          <a:prstGeom prst="bentArrow">
-            <a:avLst>
-              <a:gd name="adj1" fmla="val 13095"/>
-              <a:gd name="adj2" fmla="val 18254"/>
-              <a:gd name="adj3" fmla="val 26587"/>
-              <a:gd name="adj4" fmla="val 27877"/>
-            </a:avLst>
-          </a:prstGeom>
-        </p:spPr>
-        <p:style>
-          <a:lnRef idx="2">
-            <a:schemeClr val="accent1">
-              <a:shade val="15000"/>
-            </a:schemeClr>
-          </a:lnRef>
-          <a:fillRef idx="1">
-            <a:schemeClr val="accent1"/>
-          </a:fillRef>
-          <a:effectRef idx="0">
-            <a:schemeClr val="accent1"/>
-          </a:effectRef>
-          <a:fontRef idx="minor">
-            <a:schemeClr val="lt1"/>
-          </a:fontRef>
-        </p:style>
-        <p:txBody>
-          <a:bodyPr rtlCol="0" anchor="ctr"/>
-          <a:lstStyle/>
-          <a:p>
-            <a:pPr algn="ctr"/>
-            <a:endParaRPr kumimoji="1" lang="ja-JP" altLang="en-US">
-              <a:solidFill>
-                <a:schemeClr val="tx1"/>
-              </a:solidFill>
-            </a:endParaRPr>
-          </a:p>
-        </p:txBody>
-      </p:sp>
-      <p:sp>
-        <p:nvSpPr>
-          <p:cNvPr id="9" name="テキスト ボックス 8">
-            <a:extLst>
-              <a:ext uri="{FF2B5EF4-FFF2-40B4-BE49-F238E27FC236}">
-                <a16:creationId xmlns:a16="http://schemas.microsoft.com/office/drawing/2014/main" id="{5706AF0D-32D7-F607-2710-0C240DE0C52D}"/>
-              </a:ext>
-            </a:extLst>
-          </p:cNvPr>
-          <p:cNvSpPr txBox="1"/>
-          <p:nvPr/>
-        </p:nvSpPr>
-        <p:spPr>
-          <a:xfrm>
-            <a:off x="89718" y="3550745"/>
-            <a:ext cx="2418735" cy="369332"/>
-          </a:xfrm>
-          <a:prstGeom prst="rect">
-            <a:avLst/>
-          </a:prstGeom>
-          <a:solidFill>
-            <a:schemeClr val="accent5">
-              <a:lumMod val="20000"/>
-              <a:lumOff val="80000"/>
-            </a:schemeClr>
-          </a:solidFill>
-        </p:spPr>
-        <p:txBody>
-          <a:bodyPr wrap="square" rtlCol="0">
-            <a:spAutoFit/>
-          </a:bodyPr>
+        <p:txBody>
+          <a:bodyPr/>
           <a:lstStyle/>
           <a:p>
             <a:r>
               <a:rPr kumimoji="1" lang="ja-JP" altLang="en-US" dirty="0"/>
-              <a:t>① </a:t>
-            </a:r>
-            <a:r>
+              <a:t>ソースコード</a:t>
+            </a:r>
+            <a:br>
               <a:rPr kumimoji="1" lang="en-US" altLang="ja-JP" dirty="0"/>
-              <a:t>CSV</a:t>
-            </a:r>
-            <a:r>
-              <a:rPr kumimoji="1" lang="ja-JP" altLang="en-US" dirty="0"/>
-              <a:t>アップロード</a:t>
-            </a:r>
-          </a:p>
-        </p:txBody>
-      </p:sp>
-      <p:sp>
-        <p:nvSpPr>
-          <p:cNvPr id="10" name="雲 9">
-            <a:extLst>
-              <a:ext uri="{FF2B5EF4-FFF2-40B4-BE49-F238E27FC236}">
-                <a16:creationId xmlns:a16="http://schemas.microsoft.com/office/drawing/2014/main" id="{AE687A24-9418-4B77-4B66-7B15F9D132B4}"/>
-              </a:ext>
-            </a:extLst>
-          </p:cNvPr>
-          <p:cNvSpPr/>
-          <p:nvPr/>
-        </p:nvSpPr>
-        <p:spPr>
-          <a:xfrm>
-            <a:off x="6056193" y="515061"/>
-            <a:ext cx="2109019" cy="1230888"/>
-          </a:xfrm>
-          <a:prstGeom prst="cloud">
-            <a:avLst/>
-          </a:prstGeom>
-        </p:spPr>
-        <p:style>
-          <a:lnRef idx="2">
-            <a:schemeClr val="accent1">
-              <a:shade val="15000"/>
-            </a:schemeClr>
-          </a:lnRef>
-          <a:fillRef idx="1">
-            <a:schemeClr val="accent1"/>
-          </a:fillRef>
-          <a:effectRef idx="0">
-            <a:schemeClr val="accent1"/>
-          </a:effectRef>
-          <a:fontRef idx="minor">
-            <a:schemeClr val="lt1"/>
-          </a:fontRef>
-        </p:style>
-        <p:txBody>
-          <a:bodyPr rtlCol="0" anchor="ctr"/>
-          <a:lstStyle/>
-          <a:p>
-            <a:pPr algn="ctr"/>
-            <a:r>
-              <a:rPr lang="en-US" altLang="ja-JP" sz="1800" b="1" kern="0" dirty="0">
-                <a:solidFill>
-                  <a:schemeClr val="bg1"/>
-                </a:solidFill>
-                <a:effectLst/>
-                <a:latin typeface="ＭＳ ゴシック" panose="020B0609070205080204" pitchFamily="49" charset="-128"/>
-                <a:cs typeface="ＭＳ ゴシック" panose="020B0609070205080204" pitchFamily="49" charset="-128"/>
+            </a:br>
+            <a:r>
+              <a:rPr kumimoji="1" lang="en-US" altLang="ja-JP" dirty="0">
+                <a:hlinkClick r:id="rId2"/>
               </a:rPr>
-              <a:t>e-Stat API</a:t>
-            </a:r>
-            <a:endParaRPr kumimoji="1" lang="ja-JP" altLang="en-US" b="1" dirty="0">
-              <a:solidFill>
-                <a:schemeClr val="bg1"/>
-              </a:solidFill>
-            </a:endParaRPr>
-          </a:p>
-        </p:txBody>
-      </p:sp>
-      <p:sp>
-        <p:nvSpPr>
-          <p:cNvPr id="11" name="矢印: 折線 10">
-            <a:extLst>
-              <a:ext uri="{FF2B5EF4-FFF2-40B4-BE49-F238E27FC236}">
-                <a16:creationId xmlns:a16="http://schemas.microsoft.com/office/drawing/2014/main" id="{F0C22579-103B-67CF-E1EF-E1FB6168C19D}"/>
-              </a:ext>
-            </a:extLst>
-          </p:cNvPr>
-          <p:cNvSpPr/>
-          <p:nvPr/>
-        </p:nvSpPr>
-        <p:spPr>
-          <a:xfrm>
-            <a:off x="4530212" y="813147"/>
-            <a:ext cx="1523526" cy="1915306"/>
-          </a:xfrm>
-          <a:prstGeom prst="bentArrow">
-            <a:avLst>
-              <a:gd name="adj1" fmla="val 13095"/>
-              <a:gd name="adj2" fmla="val 18254"/>
-              <a:gd name="adj3" fmla="val 26587"/>
-              <a:gd name="adj4" fmla="val 27877"/>
-            </a:avLst>
-          </a:prstGeom>
-        </p:spPr>
-        <p:style>
-          <a:lnRef idx="2">
-            <a:schemeClr val="accent1">
-              <a:shade val="15000"/>
-            </a:schemeClr>
-          </a:lnRef>
-          <a:fillRef idx="1">
-            <a:schemeClr val="accent1"/>
-          </a:fillRef>
-          <a:effectRef idx="0">
-            <a:schemeClr val="accent1"/>
-          </a:effectRef>
-          <a:fontRef idx="minor">
-            <a:schemeClr val="lt1"/>
-          </a:fontRef>
-        </p:style>
-        <p:txBody>
-          <a:bodyPr rtlCol="0" anchor="ctr"/>
-          <a:lstStyle/>
-          <a:p>
-            <a:pPr algn="ctr"/>
-            <a:endParaRPr kumimoji="1" lang="ja-JP" altLang="en-US">
-              <a:solidFill>
-                <a:schemeClr val="tx1"/>
-              </a:solidFill>
-            </a:endParaRPr>
-          </a:p>
-        </p:txBody>
-      </p:sp>
-      <p:sp>
-        <p:nvSpPr>
-          <p:cNvPr id="12" name="テキスト ボックス 11">
-            <a:extLst>
-              <a:ext uri="{FF2B5EF4-FFF2-40B4-BE49-F238E27FC236}">
-                <a16:creationId xmlns:a16="http://schemas.microsoft.com/office/drawing/2014/main" id="{AFBD39BA-ED3A-016D-AFD8-8D0949381E9E}"/>
-              </a:ext>
-            </a:extLst>
-          </p:cNvPr>
-          <p:cNvSpPr txBox="1"/>
-          <p:nvPr/>
-        </p:nvSpPr>
-        <p:spPr>
-          <a:xfrm>
-            <a:off x="3159839" y="1625001"/>
-            <a:ext cx="2109019" cy="369332"/>
-          </a:xfrm>
-          <a:prstGeom prst="rect">
-            <a:avLst/>
-          </a:prstGeom>
-          <a:solidFill>
-            <a:schemeClr val="accent5">
-              <a:lumMod val="20000"/>
-              <a:lumOff val="80000"/>
-            </a:schemeClr>
-          </a:solidFill>
-        </p:spPr>
-        <p:txBody>
-          <a:bodyPr wrap="square" rtlCol="0">
-            <a:spAutoFit/>
-          </a:bodyPr>
-          <a:lstStyle/>
+              <a:t>https://github.com/ray6954/kadai</a:t>
+            </a:r>
+            <a:endParaRPr kumimoji="1" lang="en-US" altLang="ja-JP" dirty="0"/>
+          </a:p>
+          <a:p>
+            <a:endParaRPr lang="en-US" altLang="ja-JP" dirty="0"/>
+          </a:p>
           <a:p>
             <a:r>
               <a:rPr lang="ja-JP" altLang="en-US" dirty="0"/>
-              <a:t>②</a:t>
-            </a:r>
-            <a:r>
-              <a:rPr kumimoji="1" lang="ja-JP" altLang="en-US" dirty="0"/>
-              <a:t> </a:t>
-            </a:r>
-            <a:r>
-              <a:rPr kumimoji="1" lang="en-US" altLang="ja-JP" dirty="0"/>
-              <a:t>API</a:t>
-            </a:r>
-            <a:r>
-              <a:rPr kumimoji="1" lang="ja-JP" altLang="en-US" dirty="0"/>
-              <a:t>問い合わせ</a:t>
-            </a:r>
-          </a:p>
-        </p:txBody>
-      </p:sp>
-      <p:sp>
-        <p:nvSpPr>
-          <p:cNvPr id="13" name="矢印: 折線 12">
-            <a:extLst>
-              <a:ext uri="{FF2B5EF4-FFF2-40B4-BE49-F238E27FC236}">
-                <a16:creationId xmlns:a16="http://schemas.microsoft.com/office/drawing/2014/main" id="{45CCA8A6-8A0B-9106-CF61-101F0CEAE5F1}"/>
-              </a:ext>
-            </a:extLst>
-          </p:cNvPr>
-          <p:cNvSpPr/>
-          <p:nvPr/>
-        </p:nvSpPr>
-        <p:spPr>
-          <a:xfrm rot="5400000">
-            <a:off x="7804050" y="1274280"/>
-            <a:ext cx="2215321" cy="2337616"/>
-          </a:xfrm>
-          <a:prstGeom prst="bentArrow">
-            <a:avLst>
-              <a:gd name="adj1" fmla="val 13095"/>
-              <a:gd name="adj2" fmla="val 18254"/>
-              <a:gd name="adj3" fmla="val 26587"/>
-              <a:gd name="adj4" fmla="val 27877"/>
-            </a:avLst>
-          </a:prstGeom>
-        </p:spPr>
-        <p:style>
-          <a:lnRef idx="2">
-            <a:schemeClr val="accent1">
-              <a:shade val="15000"/>
-            </a:schemeClr>
-          </a:lnRef>
-          <a:fillRef idx="1">
-            <a:schemeClr val="accent1"/>
-          </a:fillRef>
-          <a:effectRef idx="0">
-            <a:schemeClr val="accent1"/>
-          </a:effectRef>
-          <a:fontRef idx="minor">
-            <a:schemeClr val="lt1"/>
-          </a:fontRef>
-        </p:style>
-        <p:txBody>
-          <a:bodyPr rtlCol="0" anchor="ctr"/>
-          <a:lstStyle/>
-          <a:p>
-            <a:pPr algn="ctr"/>
-            <a:endParaRPr kumimoji="1" lang="ja-JP" altLang="en-US">
-              <a:solidFill>
-                <a:schemeClr val="tx1"/>
-              </a:solidFill>
-            </a:endParaRPr>
-          </a:p>
-        </p:txBody>
-      </p:sp>
-      <p:sp>
-        <p:nvSpPr>
-          <p:cNvPr id="14" name="テキスト ボックス 13">
-            <a:extLst>
-              <a:ext uri="{FF2B5EF4-FFF2-40B4-BE49-F238E27FC236}">
-                <a16:creationId xmlns:a16="http://schemas.microsoft.com/office/drawing/2014/main" id="{1B0C2818-A538-6789-6ECE-CC0CAA98BAAE}"/>
-              </a:ext>
-            </a:extLst>
-          </p:cNvPr>
-          <p:cNvSpPr txBox="1"/>
-          <p:nvPr/>
-        </p:nvSpPr>
-        <p:spPr>
-          <a:xfrm>
-            <a:off x="8375376" y="1056764"/>
-            <a:ext cx="3678967" cy="1754326"/>
-          </a:xfrm>
-          <a:prstGeom prst="rect">
-            <a:avLst/>
-          </a:prstGeom>
-          <a:solidFill>
-            <a:schemeClr val="accent5">
-              <a:lumMod val="20000"/>
-              <a:lumOff val="80000"/>
-            </a:schemeClr>
-          </a:solidFill>
-        </p:spPr>
-        <p:txBody>
-          <a:bodyPr wrap="square" rtlCol="0">
-            <a:spAutoFit/>
-          </a:bodyPr>
-          <a:lstStyle/>
-          <a:p>
-            <a:r>
-              <a:rPr kumimoji="1" lang="ja-JP" altLang="en-US" dirty="0"/>
-              <a:t>③ 取得結果加工、表示</a:t>
-            </a:r>
-            <a:endParaRPr kumimoji="1" lang="en-US" altLang="ja-JP" dirty="0"/>
-          </a:p>
-          <a:p>
-            <a:r>
-              <a:rPr lang="ja-JP" altLang="en-US" dirty="0"/>
-              <a:t>・</a:t>
-            </a:r>
-            <a:r>
+              <a:t>画面</a:t>
+            </a:r>
+            <a:br>
               <a:rPr lang="en-US" altLang="ja-JP" dirty="0"/>
-              <a:t>47</a:t>
-            </a:r>
-            <a:r>
-              <a:rPr lang="ja-JP" altLang="en-US" dirty="0"/>
-              <a:t>都道府県分取得し、</a:t>
-            </a:r>
-            <a:r>
-              <a:rPr lang="en-US" altLang="ja-JP" dirty="0"/>
-              <a:t>CSV</a:t>
-            </a:r>
-            <a:r>
-              <a:rPr lang="ja-JP" altLang="en-US" dirty="0"/>
-              <a:t>記載の県で絞り込み。</a:t>
+            </a:br>
+            <a:r>
+              <a:rPr lang="en-US" altLang="ja-JP" dirty="0">
+                <a:hlinkClick r:id="rId3"/>
+              </a:rPr>
+              <a:t>https://ray6954.github.io/kadai/</a:t>
             </a:r>
             <a:endParaRPr lang="en-US" altLang="ja-JP" dirty="0"/>
-          </a:p>
-          <a:p>
-            <a:r>
-              <a:rPr kumimoji="1" lang="ja-JP" altLang="en-US" dirty="0"/>
-              <a:t>・友好度を計算しグループ分け。</a:t>
-            </a:r>
-            <a:endParaRPr kumimoji="1" lang="en-US" altLang="ja-JP" dirty="0"/>
-          </a:p>
-          <a:p>
-            <a:r>
-              <a:rPr lang="ja-JP" altLang="en-US" dirty="0"/>
-              <a:t>・縦軸＝年度の降順、横軸＝県</a:t>
-            </a:r>
-            <a:endParaRPr lang="en-US" altLang="ja-JP" dirty="0"/>
-          </a:p>
-          <a:p>
-            <a:r>
-              <a:rPr lang="ja-JP" altLang="en-US" dirty="0"/>
-              <a:t>に持ち替え。</a:t>
-            </a:r>
-            <a:endParaRPr kumimoji="1" lang="ja-JP" altLang="en-US" dirty="0"/>
           </a:p>
         </p:txBody>
       </p:sp>
     </p:spTree>
     <p:extLst>
       <p:ext uri="{BB962C8B-B14F-4D97-AF65-F5344CB8AC3E}">
-        <p14:creationId xmlns:p14="http://schemas.microsoft.com/office/powerpoint/2010/main" val="3792628265"/>
+        <p14:creationId xmlns:p14="http://schemas.microsoft.com/office/powerpoint/2010/main" val="3469382490"/>
       </p:ext>
     </p:extLst>
   </p:cSld>
@@ -6251,6 +5660,265 @@
 </file>
 
 <file path=ppt/slides/slide20.xml><?xml version="1.0" encoding="utf-8"?>
+<p:sld xmlns:a="http://schemas.openxmlformats.org/drawingml/2006/main" xmlns:r="http://schemas.openxmlformats.org/officeDocument/2006/relationships" xmlns:p="http://schemas.openxmlformats.org/presentationml/2006/main">
+  <p:cSld>
+    <p:spTree>
+      <p:nvGrpSpPr>
+        <p:cNvPr id="1" name="">
+          <a:extLst>
+            <a:ext uri="{FF2B5EF4-FFF2-40B4-BE49-F238E27FC236}">
+              <a16:creationId xmlns:a16="http://schemas.microsoft.com/office/drawing/2014/main" id="{BB9AD90A-A69A-C0DC-7F23-37F6AC79D472}"/>
+            </a:ext>
+          </a:extLst>
+        </p:cNvPr>
+        <p:cNvGrpSpPr/>
+        <p:nvPr/>
+      </p:nvGrpSpPr>
+      <p:grpSpPr>
+        <a:xfrm>
+          <a:off x="0" y="0"/>
+          <a:ext cx="0" cy="0"/>
+          <a:chOff x="0" y="0"/>
+          <a:chExt cx="0" cy="0"/>
+        </a:xfrm>
+      </p:grpSpPr>
+      <p:sp>
+        <p:nvSpPr>
+          <p:cNvPr id="2" name="タイトル 1">
+            <a:extLst>
+              <a:ext uri="{FF2B5EF4-FFF2-40B4-BE49-F238E27FC236}">
+                <a16:creationId xmlns:a16="http://schemas.microsoft.com/office/drawing/2014/main" id="{9ABD06F8-C835-22CB-69D4-3F4A5CB75D7F}"/>
+              </a:ext>
+            </a:extLst>
+          </p:cNvPr>
+          <p:cNvSpPr>
+            <a:spLocks noGrp="1"/>
+          </p:cNvSpPr>
+          <p:nvPr>
+            <p:ph type="title"/>
+          </p:nvPr>
+        </p:nvSpPr>
+        <p:spPr/>
+        <p:txBody>
+          <a:bodyPr/>
+          <a:lstStyle/>
+          <a:p>
+            <a:r>
+              <a:rPr kumimoji="1" lang="en-US" altLang="ja-JP" dirty="0" err="1"/>
+              <a:t>EstatDataForm.jsx</a:t>
+            </a:r>
+            <a:endParaRPr kumimoji="1" lang="ja-JP" altLang="en-US" dirty="0"/>
+          </a:p>
+        </p:txBody>
+      </p:sp>
+      <p:sp>
+        <p:nvSpPr>
+          <p:cNvPr id="3" name="コンテンツ プレースホルダー 2">
+            <a:extLst>
+              <a:ext uri="{FF2B5EF4-FFF2-40B4-BE49-F238E27FC236}">
+                <a16:creationId xmlns:a16="http://schemas.microsoft.com/office/drawing/2014/main" id="{617F0369-7EEE-3145-2AA3-068944884734}"/>
+              </a:ext>
+            </a:extLst>
+          </p:cNvPr>
+          <p:cNvSpPr>
+            <a:spLocks noGrp="1"/>
+          </p:cNvSpPr>
+          <p:nvPr>
+            <p:ph idx="1"/>
+          </p:nvPr>
+        </p:nvSpPr>
+        <p:spPr/>
+        <p:txBody>
+          <a:bodyPr/>
+          <a:lstStyle/>
+          <a:p>
+            <a:r>
+              <a:rPr lang="en-US" altLang="ja-JP" dirty="0"/>
+              <a:t>CSV</a:t>
+            </a:r>
+            <a:r>
+              <a:rPr lang="ja-JP" altLang="en-US" dirty="0"/>
+              <a:t>の記事で</a:t>
+            </a:r>
+            <a:r>
+              <a:rPr lang="en-US" altLang="ja-JP" dirty="0"/>
+              <a:t>props</a:t>
+            </a:r>
+            <a:r>
+              <a:rPr lang="ja-JP" altLang="en-US" dirty="0"/>
+              <a:t>を使っていたので真似して、</a:t>
+            </a:r>
+            <a:br>
+              <a:rPr lang="en-US" altLang="ja-JP" dirty="0"/>
+            </a:br>
+            <a:r>
+              <a:rPr lang="ja-JP" altLang="en-US" dirty="0"/>
+              <a:t>ロジック</a:t>
+            </a:r>
+            <a:r>
+              <a:rPr lang="en-US" altLang="ja-JP" dirty="0"/>
+              <a:t>(.</a:t>
+            </a:r>
+            <a:r>
+              <a:rPr lang="en-US" altLang="ja-JP" dirty="0" err="1"/>
+              <a:t>js</a:t>
+            </a:r>
+            <a:r>
+              <a:rPr lang="en-US" altLang="ja-JP" dirty="0"/>
+              <a:t>)</a:t>
+            </a:r>
+            <a:r>
+              <a:rPr lang="ja-JP" altLang="en-US" dirty="0"/>
+              <a:t>に</a:t>
+            </a:r>
+            <a:r>
+              <a:rPr lang="en-US" altLang="ja-JP" dirty="0"/>
+              <a:t>CSV</a:t>
+            </a:r>
+            <a:r>
+              <a:rPr lang="ja-JP" altLang="en-US" dirty="0"/>
+              <a:t>の内容を</a:t>
+            </a:r>
+            <a:r>
+              <a:rPr lang="en-US" altLang="ja-JP" dirty="0"/>
+              <a:t>props</a:t>
+            </a:r>
+            <a:r>
+              <a:rPr lang="ja-JP" altLang="en-US" dirty="0"/>
+              <a:t>で渡す</a:t>
+            </a:r>
+            <a:br>
+              <a:rPr lang="en-US" altLang="ja-JP" dirty="0"/>
+            </a:br>
+            <a:r>
+              <a:rPr lang="ja-JP" altLang="en-US" dirty="0"/>
+              <a:t>⇒値が入らず断念しました。</a:t>
+            </a:r>
+            <a:br>
+              <a:rPr lang="en-US" altLang="ja-JP" dirty="0"/>
+            </a:br>
+            <a:r>
+              <a:rPr lang="en-US" altLang="ja-JP" dirty="0"/>
+              <a:t>Props</a:t>
+            </a:r>
+            <a:r>
+              <a:rPr lang="ja-JP" altLang="en-US" dirty="0"/>
+              <a:t>、おそらく画面の制御などに使うものでデータの受け渡しをするものではない・・・？</a:t>
+            </a:r>
+            <a:endParaRPr lang="en-US" altLang="ja-JP" dirty="0"/>
+          </a:p>
+          <a:p>
+            <a:endParaRPr lang="en-US" altLang="ja-JP" dirty="0"/>
+          </a:p>
+          <a:p>
+            <a:r>
+              <a:rPr lang="en-US" altLang="ja-JP" dirty="0"/>
+              <a:t>form</a:t>
+            </a:r>
+            <a:r>
+              <a:rPr lang="ja-JP" altLang="en-US" dirty="0"/>
+              <a:t>と</a:t>
+            </a:r>
+            <a:r>
+              <a:rPr lang="en-US" altLang="ja-JP" dirty="0"/>
+              <a:t>table</a:t>
+            </a:r>
+            <a:r>
+              <a:rPr lang="ja-JP" altLang="en-US" dirty="0"/>
+              <a:t>のコンポーネントを分けて、</a:t>
+            </a:r>
+            <a:r>
+              <a:rPr lang="en-US" altLang="ja-JP" dirty="0"/>
+              <a:t>props</a:t>
+            </a:r>
+            <a:r>
+              <a:rPr lang="ja-JP" altLang="en-US" dirty="0"/>
+              <a:t>で受け渡す</a:t>
+            </a:r>
+            <a:br>
+              <a:rPr lang="en-US" altLang="ja-JP" dirty="0"/>
+            </a:br>
+            <a:r>
+              <a:rPr lang="ja-JP" altLang="en-US" dirty="0"/>
+              <a:t>⇒値が入らず断念しました。</a:t>
+            </a:r>
+            <a:br>
+              <a:rPr lang="en-US" altLang="ja-JP" dirty="0"/>
+            </a:br>
+            <a:r>
+              <a:rPr lang="en-US" altLang="ja-JP" dirty="0"/>
+              <a:t>Async</a:t>
+            </a:r>
+            <a:r>
+              <a:rPr lang="ja-JP" altLang="en-US" dirty="0"/>
+              <a:t>でなければ使えた・・・？</a:t>
+            </a:r>
+            <a:endParaRPr lang="en-US" altLang="ja-JP" dirty="0"/>
+          </a:p>
+        </p:txBody>
+      </p:sp>
+      <p:sp>
+        <p:nvSpPr>
+          <p:cNvPr id="5" name="四角形: 角を丸くする 4">
+            <a:extLst>
+              <a:ext uri="{FF2B5EF4-FFF2-40B4-BE49-F238E27FC236}">
+                <a16:creationId xmlns:a16="http://schemas.microsoft.com/office/drawing/2014/main" id="{27284BB6-F8A6-BA35-6DB9-A4DAE6EF5CF0}"/>
+              </a:ext>
+            </a:extLst>
+          </p:cNvPr>
+          <p:cNvSpPr/>
+          <p:nvPr/>
+        </p:nvSpPr>
+        <p:spPr>
+          <a:xfrm>
+            <a:off x="11225213" y="103239"/>
+            <a:ext cx="884904" cy="545690"/>
+          </a:xfrm>
+          <a:prstGeom prst="roundRect">
+            <a:avLst/>
+          </a:prstGeom>
+        </p:spPr>
+        <p:style>
+          <a:lnRef idx="3">
+            <a:schemeClr val="lt1"/>
+          </a:lnRef>
+          <a:fillRef idx="1">
+            <a:schemeClr val="accent3"/>
+          </a:fillRef>
+          <a:effectRef idx="1">
+            <a:schemeClr val="accent3"/>
+          </a:effectRef>
+          <a:fontRef idx="minor">
+            <a:schemeClr val="lt1"/>
+          </a:fontRef>
+        </p:style>
+        <p:txBody>
+          <a:bodyPr rtlCol="0" anchor="ctr"/>
+          <a:lstStyle/>
+          <a:p>
+            <a:pPr algn="ctr"/>
+            <a:r>
+              <a:rPr kumimoji="1" lang="en-US" altLang="ja-JP" dirty="0"/>
+              <a:t>NG</a:t>
+            </a:r>
+            <a:endParaRPr kumimoji="1" lang="ja-JP" altLang="en-US" dirty="0"/>
+          </a:p>
+        </p:txBody>
+      </p:sp>
+    </p:spTree>
+    <p:extLst>
+      <p:ext uri="{BB962C8B-B14F-4D97-AF65-F5344CB8AC3E}">
+        <p14:creationId xmlns:p14="http://schemas.microsoft.com/office/powerpoint/2010/main" val="511953137"/>
+      </p:ext>
+    </p:extLst>
+  </p:cSld>
+  <p:clrMapOvr>
+    <a:masterClrMapping/>
+  </p:clrMapOvr>
+</p:sld>
+</file>
+
+<file path=ppt/slides/slide21.xml><?xml version="1.0" encoding="utf-8"?>
 <p:sld xmlns:a="http://schemas.openxmlformats.org/drawingml/2006/main" xmlns:r="http://schemas.openxmlformats.org/officeDocument/2006/relationships" xmlns:p="http://schemas.openxmlformats.org/presentationml/2006/main">
   <p:cSld>
     <p:spTree>
@@ -6339,7 +6007,7 @@
 </p:sld>
 </file>
 
-<file path=ppt/slides/slide21.xml><?xml version="1.0" encoding="utf-8"?>
+<file path=ppt/slides/slide22.xml><?xml version="1.0" encoding="utf-8"?>
 <p:sld xmlns:a="http://schemas.openxmlformats.org/drawingml/2006/main" xmlns:r="http://schemas.openxmlformats.org/officeDocument/2006/relationships" xmlns:p="http://schemas.openxmlformats.org/presentationml/2006/main">
   <p:cSld>
     <p:spTree>
@@ -6600,7 +6268,7 @@
 </p:sld>
 </file>
 
-<file path=ppt/slides/slide22.xml><?xml version="1.0" encoding="utf-8"?>
+<file path=ppt/slides/slide23.xml><?xml version="1.0" encoding="utf-8"?>
 <p:sld xmlns:a="http://schemas.openxmlformats.org/drawingml/2006/main" xmlns:r="http://schemas.openxmlformats.org/officeDocument/2006/relationships" xmlns:p="http://schemas.openxmlformats.org/presentationml/2006/main">
   <p:cSld>
     <p:spTree>
@@ -6887,7 +6555,7 @@
 </p:sld>
 </file>
 
-<file path=ppt/slides/slide23.xml><?xml version="1.0" encoding="utf-8"?>
+<file path=ppt/slides/slide24.xml><?xml version="1.0" encoding="utf-8"?>
 <p:sld xmlns:a="http://schemas.openxmlformats.org/drawingml/2006/main" xmlns:r="http://schemas.openxmlformats.org/officeDocument/2006/relationships" xmlns:p="http://schemas.openxmlformats.org/presentationml/2006/main">
   <p:cSld>
     <p:spTree>
@@ -7108,136 +6776,6 @@
 </p:sld>
 </file>
 
-<file path=ppt/slides/slide24.xml><?xml version="1.0" encoding="utf-8"?>
-<p:sld xmlns:a="http://schemas.openxmlformats.org/drawingml/2006/main" xmlns:r="http://schemas.openxmlformats.org/officeDocument/2006/relationships" xmlns:p="http://schemas.openxmlformats.org/presentationml/2006/main">
-  <p:cSld>
-    <p:spTree>
-      <p:nvGrpSpPr>
-        <p:cNvPr id="1" name=""/>
-        <p:cNvGrpSpPr/>
-        <p:nvPr/>
-      </p:nvGrpSpPr>
-      <p:grpSpPr>
-        <a:xfrm>
-          <a:off x="0" y="0"/>
-          <a:ext cx="0" cy="0"/>
-          <a:chOff x="0" y="0"/>
-          <a:chExt cx="0" cy="0"/>
-        </a:xfrm>
-      </p:grpSpPr>
-      <p:sp>
-        <p:nvSpPr>
-          <p:cNvPr id="2" name="タイトル 1">
-            <a:extLst>
-              <a:ext uri="{FF2B5EF4-FFF2-40B4-BE49-F238E27FC236}">
-                <a16:creationId xmlns:a16="http://schemas.microsoft.com/office/drawing/2014/main" id="{87D68741-F185-961C-84BE-CDC499AC00F7}"/>
-              </a:ext>
-            </a:extLst>
-          </p:cNvPr>
-          <p:cNvSpPr>
-            <a:spLocks noGrp="1"/>
-          </p:cNvSpPr>
-          <p:nvPr>
-            <p:ph type="title"/>
-          </p:nvPr>
-        </p:nvSpPr>
-        <p:spPr/>
-        <p:txBody>
-          <a:bodyPr/>
-          <a:lstStyle/>
-          <a:p>
-            <a:r>
-              <a:rPr kumimoji="1" lang="ja-JP" altLang="en-US" dirty="0"/>
-              <a:t>やり残したこと</a:t>
-            </a:r>
-          </a:p>
-        </p:txBody>
-      </p:sp>
-      <p:sp>
-        <p:nvSpPr>
-          <p:cNvPr id="3" name="コンテンツ プレースホルダー 2">
-            <a:extLst>
-              <a:ext uri="{FF2B5EF4-FFF2-40B4-BE49-F238E27FC236}">
-                <a16:creationId xmlns:a16="http://schemas.microsoft.com/office/drawing/2014/main" id="{A000E45B-3628-5D21-CADC-B6E2BB89CD01}"/>
-              </a:ext>
-            </a:extLst>
-          </p:cNvPr>
-          <p:cNvSpPr>
-            <a:spLocks noGrp="1"/>
-          </p:cNvSpPr>
-          <p:nvPr>
-            <p:ph idx="1"/>
-          </p:nvPr>
-        </p:nvSpPr>
-        <p:spPr/>
-        <p:txBody>
-          <a:bodyPr/>
-          <a:lstStyle/>
-          <a:p>
-            <a:r>
-              <a:rPr kumimoji="1" lang="en-US" altLang="ja-JP" dirty="0"/>
-              <a:t>CSV</a:t>
-            </a:r>
-            <a:r>
-              <a:rPr kumimoji="1" lang="ja-JP" altLang="en-US" dirty="0"/>
-              <a:t>アップロードの必須チェック</a:t>
-            </a:r>
-            <a:endParaRPr kumimoji="1" lang="en-US" altLang="ja-JP" dirty="0"/>
-          </a:p>
-          <a:p>
-            <a:r>
-              <a:rPr lang="ja-JP" altLang="en-US" dirty="0"/>
-              <a:t>データ表示に時間がかかるのでローディング画面を表示する</a:t>
-            </a:r>
-            <a:endParaRPr lang="en-US" altLang="ja-JP" dirty="0"/>
-          </a:p>
-          <a:p>
-            <a:r>
-              <a:rPr lang="ja-JP" altLang="en-US" dirty="0"/>
-              <a:t>総当たり以外で、グループ分けの方法はないか？</a:t>
-            </a:r>
-            <a:endParaRPr lang="en-US" altLang="ja-JP" dirty="0"/>
-          </a:p>
-          <a:p>
-            <a:r>
-              <a:rPr kumimoji="1" lang="ja-JP" altLang="en-US" dirty="0"/>
-              <a:t>グループごとの色分けは、</a:t>
-            </a:r>
-            <a:br>
-              <a:rPr lang="en-US" altLang="ja-JP" dirty="0"/>
-            </a:br>
-            <a:r>
-              <a:rPr kumimoji="1" lang="en-US" altLang="ja-JP" dirty="0"/>
-              <a:t>props</a:t>
-            </a:r>
-            <a:r>
-              <a:rPr kumimoji="1" lang="ja-JP" altLang="en-US" dirty="0"/>
-              <a:t>を使うと</a:t>
-            </a:r>
-            <a:r>
-              <a:rPr kumimoji="1" lang="en-US" altLang="ja-JP" dirty="0"/>
-              <a:t>React</a:t>
-            </a:r>
-            <a:r>
-              <a:rPr kumimoji="1" lang="ja-JP" altLang="en-US" dirty="0"/>
-              <a:t>っぽくてよさそう</a:t>
-            </a:r>
-          </a:p>
-        </p:txBody>
-      </p:sp>
-    </p:spTree>
-    <p:extLst>
-      <p:ext uri="{BB962C8B-B14F-4D97-AF65-F5344CB8AC3E}">
-        <p14:creationId xmlns:p14="http://schemas.microsoft.com/office/powerpoint/2010/main" val="3568327356"/>
-      </p:ext>
-    </p:extLst>
-  </p:cSld>
-  <p:clrMapOvr>
-    <a:masterClrMapping/>
-  </p:clrMapOvr>
-</p:sld>
-</file>
-
 <file path=ppt/slides/slide25.xml><?xml version="1.0" encoding="utf-8"?>
 <p:sld xmlns:a="http://schemas.openxmlformats.org/drawingml/2006/main" xmlns:r="http://schemas.openxmlformats.org/officeDocument/2006/relationships" xmlns:p="http://schemas.openxmlformats.org/presentationml/2006/main">
   <p:cSld>
@@ -7257,6 +6795,111 @@
       </p:grpSpPr>
       <p:sp>
         <p:nvSpPr>
+          <p:cNvPr id="2" name="タイトル 1">
+            <a:extLst>
+              <a:ext uri="{FF2B5EF4-FFF2-40B4-BE49-F238E27FC236}">
+                <a16:creationId xmlns:a16="http://schemas.microsoft.com/office/drawing/2014/main" id="{87D68741-F185-961C-84BE-CDC499AC00F7}"/>
+              </a:ext>
+            </a:extLst>
+          </p:cNvPr>
+          <p:cNvSpPr>
+            <a:spLocks noGrp="1"/>
+          </p:cNvSpPr>
+          <p:nvPr>
+            <p:ph type="title"/>
+          </p:nvPr>
+        </p:nvSpPr>
+        <p:spPr/>
+        <p:txBody>
+          <a:bodyPr/>
+          <a:lstStyle/>
+          <a:p>
+            <a:r>
+              <a:rPr kumimoji="1" lang="ja-JP" altLang="en-US" dirty="0"/>
+              <a:t>やり残したこと</a:t>
+            </a:r>
+          </a:p>
+        </p:txBody>
+      </p:sp>
+      <p:sp>
+        <p:nvSpPr>
+          <p:cNvPr id="3" name="コンテンツ プレースホルダー 2">
+            <a:extLst>
+              <a:ext uri="{FF2B5EF4-FFF2-40B4-BE49-F238E27FC236}">
+                <a16:creationId xmlns:a16="http://schemas.microsoft.com/office/drawing/2014/main" id="{A000E45B-3628-5D21-CADC-B6E2BB89CD01}"/>
+              </a:ext>
+            </a:extLst>
+          </p:cNvPr>
+          <p:cNvSpPr>
+            <a:spLocks noGrp="1"/>
+          </p:cNvSpPr>
+          <p:nvPr>
+            <p:ph idx="1"/>
+          </p:nvPr>
+        </p:nvSpPr>
+        <p:spPr/>
+        <p:txBody>
+          <a:bodyPr/>
+          <a:lstStyle/>
+          <a:p>
+            <a:r>
+              <a:rPr kumimoji="1" lang="en-US" altLang="ja-JP" dirty="0"/>
+              <a:t>CSV</a:t>
+            </a:r>
+            <a:r>
+              <a:rPr kumimoji="1" lang="ja-JP" altLang="en-US" dirty="0"/>
+              <a:t>アップロードの必須チェック</a:t>
+            </a:r>
+            <a:endParaRPr kumimoji="1" lang="en-US" altLang="ja-JP" dirty="0"/>
+          </a:p>
+          <a:p>
+            <a:r>
+              <a:rPr lang="ja-JP" altLang="en-US" dirty="0"/>
+              <a:t>データ表示に時間がかかるのでローディング画面を表示する</a:t>
+            </a:r>
+            <a:endParaRPr lang="en-US" altLang="ja-JP" dirty="0"/>
+          </a:p>
+          <a:p>
+            <a:r>
+              <a:rPr lang="ja-JP" altLang="en-US" dirty="0"/>
+              <a:t>総当たり以外で、グループ分けの方法はないか？</a:t>
+            </a:r>
+            <a:endParaRPr lang="en-US" altLang="ja-JP" dirty="0"/>
+          </a:p>
+        </p:txBody>
+      </p:sp>
+    </p:spTree>
+    <p:extLst>
+      <p:ext uri="{BB962C8B-B14F-4D97-AF65-F5344CB8AC3E}">
+        <p14:creationId xmlns:p14="http://schemas.microsoft.com/office/powerpoint/2010/main" val="3568327356"/>
+      </p:ext>
+    </p:extLst>
+  </p:cSld>
+  <p:clrMapOvr>
+    <a:masterClrMapping/>
+  </p:clrMapOvr>
+</p:sld>
+</file>
+
+<file path=ppt/slides/slide26.xml><?xml version="1.0" encoding="utf-8"?>
+<p:sld xmlns:a="http://schemas.openxmlformats.org/drawingml/2006/main" xmlns:r="http://schemas.openxmlformats.org/officeDocument/2006/relationships" xmlns:p="http://schemas.openxmlformats.org/presentationml/2006/main">
+  <p:cSld>
+    <p:spTree>
+      <p:nvGrpSpPr>
+        <p:cNvPr id="1" name=""/>
+        <p:cNvGrpSpPr/>
+        <p:nvPr/>
+      </p:nvGrpSpPr>
+      <p:grpSpPr>
+        <a:xfrm>
+          <a:off x="0" y="0"/>
+          <a:ext cx="0" cy="0"/>
+          <a:chOff x="0" y="0"/>
+          <a:chExt cx="0" cy="0"/>
+        </a:xfrm>
+      </p:grpSpPr>
+      <p:sp>
+        <p:nvSpPr>
           <p:cNvPr id="2" name="テキスト ボックス 1">
             <a:extLst>
               <a:ext uri="{FF2B5EF4-FFF2-40B4-BE49-F238E27FC236}">
@@ -7305,6 +6948,544 @@
 </file>
 
 <file path=ppt/slides/slide3.xml><?xml version="1.0" encoding="utf-8"?>
+<p:sld xmlns:a="http://schemas.openxmlformats.org/drawingml/2006/main" xmlns:r="http://schemas.openxmlformats.org/officeDocument/2006/relationships" xmlns:p="http://schemas.openxmlformats.org/presentationml/2006/main">
+  <p:cSld>
+    <p:spTree>
+      <p:nvGrpSpPr>
+        <p:cNvPr id="1" name=""/>
+        <p:cNvGrpSpPr/>
+        <p:nvPr/>
+      </p:nvGrpSpPr>
+      <p:grpSpPr>
+        <a:xfrm>
+          <a:off x="0" y="0"/>
+          <a:ext cx="0" cy="0"/>
+          <a:chOff x="0" y="0"/>
+          <a:chExt cx="0" cy="0"/>
+        </a:xfrm>
+      </p:grpSpPr>
+      <p:sp>
+        <p:nvSpPr>
+          <p:cNvPr id="2" name="タイトル 1">
+            <a:extLst>
+              <a:ext uri="{FF2B5EF4-FFF2-40B4-BE49-F238E27FC236}">
+                <a16:creationId xmlns:a16="http://schemas.microsoft.com/office/drawing/2014/main" id="{ACFBEAA7-3014-F4D8-B55F-6796AD8E2A51}"/>
+              </a:ext>
+            </a:extLst>
+          </p:cNvPr>
+          <p:cNvSpPr>
+            <a:spLocks noGrp="1"/>
+          </p:cNvSpPr>
+          <p:nvPr>
+            <p:ph type="title"/>
+          </p:nvPr>
+        </p:nvSpPr>
+        <p:spPr/>
+        <p:txBody>
+          <a:bodyPr/>
+          <a:lstStyle/>
+          <a:p>
+            <a:r>
+              <a:rPr kumimoji="1" lang="ja-JP" altLang="en-US" dirty="0"/>
+              <a:t>実装内容概要</a:t>
+            </a:r>
+          </a:p>
+        </p:txBody>
+      </p:sp>
+      <p:pic>
+        <p:nvPicPr>
+          <p:cNvPr id="5" name="コンテンツ プレースホルダー 4">
+            <a:extLst>
+              <a:ext uri="{FF2B5EF4-FFF2-40B4-BE49-F238E27FC236}">
+                <a16:creationId xmlns:a16="http://schemas.microsoft.com/office/drawing/2014/main" id="{07885713-A543-FF22-1177-AC1B879FBF21}"/>
+              </a:ext>
+            </a:extLst>
+          </p:cNvPr>
+          <p:cNvPicPr>
+            <a:picLocks noGrp="1" noChangeAspect="1"/>
+          </p:cNvPicPr>
+          <p:nvPr>
+            <p:ph idx="1"/>
+          </p:nvPr>
+        </p:nvPicPr>
+        <p:blipFill>
+          <a:blip r:embed="rId2"/>
+          <a:stretch>
+            <a:fillRect/>
+          </a:stretch>
+        </p:blipFill>
+        <p:spPr>
+          <a:xfrm>
+            <a:off x="3221290" y="2728453"/>
+            <a:ext cx="7146344" cy="3330549"/>
+          </a:xfrm>
+          <a:ln>
+            <a:solidFill>
+              <a:schemeClr val="accent3"/>
+            </a:solidFill>
+          </a:ln>
+        </p:spPr>
+      </p:pic>
+      <p:pic>
+        <p:nvPicPr>
+          <p:cNvPr id="7" name="図 6">
+            <a:extLst>
+              <a:ext uri="{FF2B5EF4-FFF2-40B4-BE49-F238E27FC236}">
+                <a16:creationId xmlns:a16="http://schemas.microsoft.com/office/drawing/2014/main" id="{4E70C1C2-8A1B-3339-EAB8-8D154AFCA964}"/>
+              </a:ext>
+            </a:extLst>
+          </p:cNvPr>
+          <p:cNvPicPr>
+            <a:picLocks noChangeAspect="1"/>
+          </p:cNvPicPr>
+          <p:nvPr/>
+        </p:nvPicPr>
+        <p:blipFill>
+          <a:blip r:embed="rId3"/>
+          <a:stretch>
+            <a:fillRect/>
+          </a:stretch>
+        </p:blipFill>
+        <p:spPr>
+          <a:xfrm>
+            <a:off x="263011" y="4696759"/>
+            <a:ext cx="4267200" cy="1600200"/>
+          </a:xfrm>
+          <a:prstGeom prst="rect">
+            <a:avLst/>
+          </a:prstGeom>
+          <a:ln>
+            <a:solidFill>
+              <a:schemeClr val="accent3"/>
+            </a:solidFill>
+          </a:ln>
+        </p:spPr>
+      </p:pic>
+      <p:sp>
+        <p:nvSpPr>
+          <p:cNvPr id="8" name="矢印: 折線 7">
+            <a:extLst>
+              <a:ext uri="{FF2B5EF4-FFF2-40B4-BE49-F238E27FC236}">
+                <a16:creationId xmlns:a16="http://schemas.microsoft.com/office/drawing/2014/main" id="{42551373-2E16-3A0E-C79D-5B8C31DA2244}"/>
+              </a:ext>
+            </a:extLst>
+          </p:cNvPr>
+          <p:cNvSpPr/>
+          <p:nvPr/>
+        </p:nvSpPr>
+        <p:spPr>
+          <a:xfrm>
+            <a:off x="1299086" y="2728453"/>
+            <a:ext cx="1858297" cy="1915306"/>
+          </a:xfrm>
+          <a:prstGeom prst="bentArrow">
+            <a:avLst>
+              <a:gd name="adj1" fmla="val 13095"/>
+              <a:gd name="adj2" fmla="val 18254"/>
+              <a:gd name="adj3" fmla="val 26587"/>
+              <a:gd name="adj4" fmla="val 27877"/>
+            </a:avLst>
+          </a:prstGeom>
+        </p:spPr>
+        <p:style>
+          <a:lnRef idx="2">
+            <a:schemeClr val="accent1">
+              <a:shade val="15000"/>
+            </a:schemeClr>
+          </a:lnRef>
+          <a:fillRef idx="1">
+            <a:schemeClr val="accent1"/>
+          </a:fillRef>
+          <a:effectRef idx="0">
+            <a:schemeClr val="accent1"/>
+          </a:effectRef>
+          <a:fontRef idx="minor">
+            <a:schemeClr val="lt1"/>
+          </a:fontRef>
+        </p:style>
+        <p:txBody>
+          <a:bodyPr rtlCol="0" anchor="ctr"/>
+          <a:lstStyle/>
+          <a:p>
+            <a:pPr algn="ctr"/>
+            <a:endParaRPr kumimoji="1" lang="ja-JP" altLang="en-US">
+              <a:solidFill>
+                <a:schemeClr val="tx1"/>
+              </a:solidFill>
+            </a:endParaRPr>
+          </a:p>
+        </p:txBody>
+      </p:sp>
+      <p:sp>
+        <p:nvSpPr>
+          <p:cNvPr id="9" name="テキスト ボックス 8">
+            <a:extLst>
+              <a:ext uri="{FF2B5EF4-FFF2-40B4-BE49-F238E27FC236}">
+                <a16:creationId xmlns:a16="http://schemas.microsoft.com/office/drawing/2014/main" id="{5706AF0D-32D7-F607-2710-0C240DE0C52D}"/>
+              </a:ext>
+            </a:extLst>
+          </p:cNvPr>
+          <p:cNvSpPr txBox="1"/>
+          <p:nvPr/>
+        </p:nvSpPr>
+        <p:spPr>
+          <a:xfrm>
+            <a:off x="89718" y="3550745"/>
+            <a:ext cx="2418735" cy="369332"/>
+          </a:xfrm>
+          <a:prstGeom prst="rect">
+            <a:avLst/>
+          </a:prstGeom>
+          <a:solidFill>
+            <a:schemeClr val="accent5">
+              <a:lumMod val="20000"/>
+              <a:lumOff val="80000"/>
+            </a:schemeClr>
+          </a:solidFill>
+        </p:spPr>
+        <p:txBody>
+          <a:bodyPr wrap="square" rtlCol="0">
+            <a:spAutoFit/>
+          </a:bodyPr>
+          <a:lstStyle/>
+          <a:p>
+            <a:r>
+              <a:rPr kumimoji="1" lang="ja-JP" altLang="en-US" dirty="0"/>
+              <a:t>① </a:t>
+            </a:r>
+            <a:r>
+              <a:rPr kumimoji="1" lang="en-US" altLang="ja-JP" dirty="0"/>
+              <a:t>CSV</a:t>
+            </a:r>
+            <a:r>
+              <a:rPr kumimoji="1" lang="ja-JP" altLang="en-US" dirty="0"/>
+              <a:t>アップロード</a:t>
+            </a:r>
+          </a:p>
+        </p:txBody>
+      </p:sp>
+      <p:sp>
+        <p:nvSpPr>
+          <p:cNvPr id="10" name="雲 9">
+            <a:extLst>
+              <a:ext uri="{FF2B5EF4-FFF2-40B4-BE49-F238E27FC236}">
+                <a16:creationId xmlns:a16="http://schemas.microsoft.com/office/drawing/2014/main" id="{AE687A24-9418-4B77-4B66-7B15F9D132B4}"/>
+              </a:ext>
+            </a:extLst>
+          </p:cNvPr>
+          <p:cNvSpPr/>
+          <p:nvPr/>
+        </p:nvSpPr>
+        <p:spPr>
+          <a:xfrm>
+            <a:off x="6056193" y="515061"/>
+            <a:ext cx="2109019" cy="1230888"/>
+          </a:xfrm>
+          <a:prstGeom prst="cloud">
+            <a:avLst/>
+          </a:prstGeom>
+        </p:spPr>
+        <p:style>
+          <a:lnRef idx="2">
+            <a:schemeClr val="accent1">
+              <a:shade val="15000"/>
+            </a:schemeClr>
+          </a:lnRef>
+          <a:fillRef idx="1">
+            <a:schemeClr val="accent1"/>
+          </a:fillRef>
+          <a:effectRef idx="0">
+            <a:schemeClr val="accent1"/>
+          </a:effectRef>
+          <a:fontRef idx="minor">
+            <a:schemeClr val="lt1"/>
+          </a:fontRef>
+        </p:style>
+        <p:txBody>
+          <a:bodyPr rtlCol="0" anchor="ctr"/>
+          <a:lstStyle/>
+          <a:p>
+            <a:pPr algn="ctr"/>
+            <a:r>
+              <a:rPr lang="en-US" altLang="ja-JP" sz="1800" b="1" kern="0" dirty="0">
+                <a:solidFill>
+                  <a:schemeClr val="bg1"/>
+                </a:solidFill>
+                <a:effectLst/>
+                <a:latin typeface="ＭＳ ゴシック" panose="020B0609070205080204" pitchFamily="49" charset="-128"/>
+                <a:cs typeface="ＭＳ ゴシック" panose="020B0609070205080204" pitchFamily="49" charset="-128"/>
+              </a:rPr>
+              <a:t>e-Stat API</a:t>
+            </a:r>
+            <a:endParaRPr kumimoji="1" lang="ja-JP" altLang="en-US" b="1" dirty="0">
+              <a:solidFill>
+                <a:schemeClr val="bg1"/>
+              </a:solidFill>
+            </a:endParaRPr>
+          </a:p>
+        </p:txBody>
+      </p:sp>
+      <p:sp>
+        <p:nvSpPr>
+          <p:cNvPr id="11" name="矢印: 折線 10">
+            <a:extLst>
+              <a:ext uri="{FF2B5EF4-FFF2-40B4-BE49-F238E27FC236}">
+                <a16:creationId xmlns:a16="http://schemas.microsoft.com/office/drawing/2014/main" id="{F0C22579-103B-67CF-E1EF-E1FB6168C19D}"/>
+              </a:ext>
+            </a:extLst>
+          </p:cNvPr>
+          <p:cNvSpPr/>
+          <p:nvPr/>
+        </p:nvSpPr>
+        <p:spPr>
+          <a:xfrm>
+            <a:off x="4530212" y="813147"/>
+            <a:ext cx="1523526" cy="1915306"/>
+          </a:xfrm>
+          <a:prstGeom prst="bentArrow">
+            <a:avLst>
+              <a:gd name="adj1" fmla="val 13095"/>
+              <a:gd name="adj2" fmla="val 18254"/>
+              <a:gd name="adj3" fmla="val 26587"/>
+              <a:gd name="adj4" fmla="val 27877"/>
+            </a:avLst>
+          </a:prstGeom>
+        </p:spPr>
+        <p:style>
+          <a:lnRef idx="2">
+            <a:schemeClr val="accent1">
+              <a:shade val="15000"/>
+            </a:schemeClr>
+          </a:lnRef>
+          <a:fillRef idx="1">
+            <a:schemeClr val="accent1"/>
+          </a:fillRef>
+          <a:effectRef idx="0">
+            <a:schemeClr val="accent1"/>
+          </a:effectRef>
+          <a:fontRef idx="minor">
+            <a:schemeClr val="lt1"/>
+          </a:fontRef>
+        </p:style>
+        <p:txBody>
+          <a:bodyPr rtlCol="0" anchor="ctr"/>
+          <a:lstStyle/>
+          <a:p>
+            <a:pPr algn="ctr"/>
+            <a:endParaRPr kumimoji="1" lang="ja-JP" altLang="en-US">
+              <a:solidFill>
+                <a:schemeClr val="tx1"/>
+              </a:solidFill>
+            </a:endParaRPr>
+          </a:p>
+        </p:txBody>
+      </p:sp>
+      <p:sp>
+        <p:nvSpPr>
+          <p:cNvPr id="12" name="テキスト ボックス 11">
+            <a:extLst>
+              <a:ext uri="{FF2B5EF4-FFF2-40B4-BE49-F238E27FC236}">
+                <a16:creationId xmlns:a16="http://schemas.microsoft.com/office/drawing/2014/main" id="{AFBD39BA-ED3A-016D-AFD8-8D0949381E9E}"/>
+              </a:ext>
+            </a:extLst>
+          </p:cNvPr>
+          <p:cNvSpPr txBox="1"/>
+          <p:nvPr/>
+        </p:nvSpPr>
+        <p:spPr>
+          <a:xfrm>
+            <a:off x="3159839" y="1625001"/>
+            <a:ext cx="2109019" cy="369332"/>
+          </a:xfrm>
+          <a:prstGeom prst="rect">
+            <a:avLst/>
+          </a:prstGeom>
+          <a:solidFill>
+            <a:schemeClr val="accent5">
+              <a:lumMod val="20000"/>
+              <a:lumOff val="80000"/>
+            </a:schemeClr>
+          </a:solidFill>
+        </p:spPr>
+        <p:txBody>
+          <a:bodyPr wrap="square" rtlCol="0">
+            <a:spAutoFit/>
+          </a:bodyPr>
+          <a:lstStyle/>
+          <a:p>
+            <a:r>
+              <a:rPr lang="ja-JP" altLang="en-US" dirty="0"/>
+              <a:t>②</a:t>
+            </a:r>
+            <a:r>
+              <a:rPr kumimoji="1" lang="ja-JP" altLang="en-US" dirty="0"/>
+              <a:t> </a:t>
+            </a:r>
+            <a:r>
+              <a:rPr kumimoji="1" lang="en-US" altLang="ja-JP" dirty="0"/>
+              <a:t>API</a:t>
+            </a:r>
+            <a:r>
+              <a:rPr kumimoji="1" lang="ja-JP" altLang="en-US" dirty="0"/>
+              <a:t>問い合わせ</a:t>
+            </a:r>
+          </a:p>
+        </p:txBody>
+      </p:sp>
+      <p:sp>
+        <p:nvSpPr>
+          <p:cNvPr id="13" name="矢印: 折線 12">
+            <a:extLst>
+              <a:ext uri="{FF2B5EF4-FFF2-40B4-BE49-F238E27FC236}">
+                <a16:creationId xmlns:a16="http://schemas.microsoft.com/office/drawing/2014/main" id="{45CCA8A6-8A0B-9106-CF61-101F0CEAE5F1}"/>
+              </a:ext>
+            </a:extLst>
+          </p:cNvPr>
+          <p:cNvSpPr/>
+          <p:nvPr/>
+        </p:nvSpPr>
+        <p:spPr>
+          <a:xfrm rot="5400000">
+            <a:off x="7804050" y="1274280"/>
+            <a:ext cx="2215321" cy="2337616"/>
+          </a:xfrm>
+          <a:prstGeom prst="bentArrow">
+            <a:avLst>
+              <a:gd name="adj1" fmla="val 13095"/>
+              <a:gd name="adj2" fmla="val 18254"/>
+              <a:gd name="adj3" fmla="val 26587"/>
+              <a:gd name="adj4" fmla="val 27877"/>
+            </a:avLst>
+          </a:prstGeom>
+        </p:spPr>
+        <p:style>
+          <a:lnRef idx="2">
+            <a:schemeClr val="accent1">
+              <a:shade val="15000"/>
+            </a:schemeClr>
+          </a:lnRef>
+          <a:fillRef idx="1">
+            <a:schemeClr val="accent1"/>
+          </a:fillRef>
+          <a:effectRef idx="0">
+            <a:schemeClr val="accent1"/>
+          </a:effectRef>
+          <a:fontRef idx="minor">
+            <a:schemeClr val="lt1"/>
+          </a:fontRef>
+        </p:style>
+        <p:txBody>
+          <a:bodyPr rtlCol="0" anchor="ctr"/>
+          <a:lstStyle/>
+          <a:p>
+            <a:pPr algn="ctr"/>
+            <a:endParaRPr kumimoji="1" lang="ja-JP" altLang="en-US">
+              <a:solidFill>
+                <a:schemeClr val="tx1"/>
+              </a:solidFill>
+            </a:endParaRPr>
+          </a:p>
+        </p:txBody>
+      </p:sp>
+      <p:sp>
+        <p:nvSpPr>
+          <p:cNvPr id="14" name="テキスト ボックス 13">
+            <a:extLst>
+              <a:ext uri="{FF2B5EF4-FFF2-40B4-BE49-F238E27FC236}">
+                <a16:creationId xmlns:a16="http://schemas.microsoft.com/office/drawing/2014/main" id="{1B0C2818-A538-6789-6ECE-CC0CAA98BAAE}"/>
+              </a:ext>
+            </a:extLst>
+          </p:cNvPr>
+          <p:cNvSpPr txBox="1"/>
+          <p:nvPr/>
+        </p:nvSpPr>
+        <p:spPr>
+          <a:xfrm>
+            <a:off x="8375376" y="1056764"/>
+            <a:ext cx="3678967" cy="1754326"/>
+          </a:xfrm>
+          <a:prstGeom prst="rect">
+            <a:avLst/>
+          </a:prstGeom>
+          <a:solidFill>
+            <a:schemeClr val="accent5">
+              <a:lumMod val="20000"/>
+              <a:lumOff val="80000"/>
+            </a:schemeClr>
+          </a:solidFill>
+        </p:spPr>
+        <p:txBody>
+          <a:bodyPr wrap="square" rtlCol="0">
+            <a:spAutoFit/>
+          </a:bodyPr>
+          <a:lstStyle/>
+          <a:p>
+            <a:r>
+              <a:rPr kumimoji="1" lang="ja-JP" altLang="en-US" dirty="0"/>
+              <a:t>③ 取得結果加工、表示</a:t>
+            </a:r>
+            <a:endParaRPr kumimoji="1" lang="en-US" altLang="ja-JP" dirty="0"/>
+          </a:p>
+          <a:p>
+            <a:r>
+              <a:rPr lang="ja-JP" altLang="en-US" dirty="0"/>
+              <a:t>・</a:t>
+            </a:r>
+            <a:r>
+              <a:rPr lang="en-US" altLang="ja-JP" dirty="0"/>
+              <a:t>47</a:t>
+            </a:r>
+            <a:r>
+              <a:rPr lang="ja-JP" altLang="en-US" dirty="0"/>
+              <a:t>都道府県分取得し、</a:t>
+            </a:r>
+            <a:r>
+              <a:rPr lang="en-US" altLang="ja-JP" dirty="0"/>
+              <a:t>CSV</a:t>
+            </a:r>
+            <a:r>
+              <a:rPr lang="ja-JP" altLang="en-US" dirty="0"/>
+              <a:t>記載の県で絞り込み。</a:t>
+            </a:r>
+            <a:endParaRPr lang="en-US" altLang="ja-JP" dirty="0"/>
+          </a:p>
+          <a:p>
+            <a:r>
+              <a:rPr kumimoji="1" lang="ja-JP" altLang="en-US" dirty="0"/>
+              <a:t>・友好度を計算しグループ分け。</a:t>
+            </a:r>
+            <a:endParaRPr kumimoji="1" lang="en-US" altLang="ja-JP" dirty="0"/>
+          </a:p>
+          <a:p>
+            <a:r>
+              <a:rPr lang="ja-JP" altLang="en-US" dirty="0"/>
+              <a:t>・縦軸＝年度の降順、横軸＝県</a:t>
+            </a:r>
+            <a:endParaRPr lang="en-US" altLang="ja-JP" dirty="0"/>
+          </a:p>
+          <a:p>
+            <a:r>
+              <a:rPr lang="ja-JP" altLang="en-US" dirty="0"/>
+              <a:t>に持ち替え。</a:t>
+            </a:r>
+            <a:endParaRPr kumimoji="1" lang="ja-JP" altLang="en-US" dirty="0"/>
+          </a:p>
+        </p:txBody>
+      </p:sp>
+    </p:spTree>
+    <p:extLst>
+      <p:ext uri="{BB962C8B-B14F-4D97-AF65-F5344CB8AC3E}">
+        <p14:creationId xmlns:p14="http://schemas.microsoft.com/office/powerpoint/2010/main" val="3792628265"/>
+      </p:ext>
+    </p:extLst>
+  </p:cSld>
+  <p:clrMapOvr>
+    <a:masterClrMapping/>
+  </p:clrMapOvr>
+</p:sld>
+</file>
+
+<file path=ppt/slides/slide4.xml><?xml version="1.0" encoding="utf-8"?>
 <p:sld xmlns:a="http://schemas.openxmlformats.org/drawingml/2006/main" xmlns:r="http://schemas.openxmlformats.org/officeDocument/2006/relationships" xmlns:p="http://schemas.openxmlformats.org/presentationml/2006/main">
   <p:cSld>
     <p:spTree>
@@ -7493,7 +7674,7 @@
 </p:sld>
 </file>
 
-<file path=ppt/slides/slide4.xml><?xml version="1.0" encoding="utf-8"?>
+<file path=ppt/slides/slide5.xml><?xml version="1.0" encoding="utf-8"?>
 <p:sld xmlns:a="http://schemas.openxmlformats.org/drawingml/2006/main" xmlns:r="http://schemas.openxmlformats.org/officeDocument/2006/relationships" xmlns:p="http://schemas.openxmlformats.org/presentationml/2006/main">
   <p:cSld>
     <p:spTree>
@@ -7668,7 +7849,7 @@
 </p:sld>
 </file>
 
-<file path=ppt/slides/slide5.xml><?xml version="1.0" encoding="utf-8"?>
+<file path=ppt/slides/slide6.xml><?xml version="1.0" encoding="utf-8"?>
 <p:sld xmlns:a="http://schemas.openxmlformats.org/drawingml/2006/main" xmlns:r="http://schemas.openxmlformats.org/officeDocument/2006/relationships" xmlns:p="http://schemas.openxmlformats.org/presentationml/2006/main">
   <p:cSld>
     <p:spTree>
@@ -8295,7 +8476,7 @@
 </p:sld>
 </file>
 
-<file path=ppt/slides/slide6.xml><?xml version="1.0" encoding="utf-8"?>
+<file path=ppt/slides/slide7.xml><?xml version="1.0" encoding="utf-8"?>
 <p:sld xmlns:a="http://schemas.openxmlformats.org/drawingml/2006/main" xmlns:r="http://schemas.openxmlformats.org/officeDocument/2006/relationships" xmlns:p="http://schemas.openxmlformats.org/presentationml/2006/main">
   <p:cSld>
     <p:spTree>
@@ -8881,93 +9062,6 @@
 </p:sld>
 </file>
 
-<file path=ppt/slides/slide7.xml><?xml version="1.0" encoding="utf-8"?>
-<p:sld xmlns:a="http://schemas.openxmlformats.org/drawingml/2006/main" xmlns:r="http://schemas.openxmlformats.org/officeDocument/2006/relationships" xmlns:p="http://schemas.openxmlformats.org/presentationml/2006/main">
-  <p:cSld>
-    <p:spTree>
-      <p:nvGrpSpPr>
-        <p:cNvPr id="1" name=""/>
-        <p:cNvGrpSpPr/>
-        <p:nvPr/>
-      </p:nvGrpSpPr>
-      <p:grpSpPr>
-        <a:xfrm>
-          <a:off x="0" y="0"/>
-          <a:ext cx="0" cy="0"/>
-          <a:chOff x="0" y="0"/>
-          <a:chExt cx="0" cy="0"/>
-        </a:xfrm>
-      </p:grpSpPr>
-      <p:sp>
-        <p:nvSpPr>
-          <p:cNvPr id="2" name="タイトル 1">
-            <a:extLst>
-              <a:ext uri="{FF2B5EF4-FFF2-40B4-BE49-F238E27FC236}">
-                <a16:creationId xmlns:a16="http://schemas.microsoft.com/office/drawing/2014/main" id="{EE565518-F20A-3679-1423-120BA8829563}"/>
-              </a:ext>
-            </a:extLst>
-          </p:cNvPr>
-          <p:cNvSpPr>
-            <a:spLocks noGrp="1"/>
-          </p:cNvSpPr>
-          <p:nvPr>
-            <p:ph type="title"/>
-          </p:nvPr>
-        </p:nvSpPr>
-        <p:spPr/>
-        <p:txBody>
-          <a:bodyPr/>
-          <a:lstStyle/>
-          <a:p>
-            <a:r>
-              <a:rPr kumimoji="1" lang="en-US" altLang="ja-JP" dirty="0"/>
-              <a:t>API</a:t>
-            </a:r>
-            <a:r>
-              <a:rPr kumimoji="1" lang="ja-JP" altLang="en-US" dirty="0"/>
-              <a:t>呼出し</a:t>
-            </a:r>
-          </a:p>
-        </p:txBody>
-      </p:sp>
-      <p:sp>
-        <p:nvSpPr>
-          <p:cNvPr id="3" name="テキスト プレースホルダー 2">
-            <a:extLst>
-              <a:ext uri="{FF2B5EF4-FFF2-40B4-BE49-F238E27FC236}">
-                <a16:creationId xmlns:a16="http://schemas.microsoft.com/office/drawing/2014/main" id="{457F70C2-C38D-39A7-12F3-6C6314F684DC}"/>
-              </a:ext>
-            </a:extLst>
-          </p:cNvPr>
-          <p:cNvSpPr>
-            <a:spLocks noGrp="1"/>
-          </p:cNvSpPr>
-          <p:nvPr>
-            <p:ph type="body" idx="1"/>
-          </p:nvPr>
-        </p:nvSpPr>
-        <p:spPr/>
-        <p:txBody>
-          <a:bodyPr/>
-          <a:lstStyle/>
-          <a:p>
-            <a:endParaRPr kumimoji="1" lang="ja-JP" altLang="en-US"/>
-          </a:p>
-        </p:txBody>
-      </p:sp>
-    </p:spTree>
-    <p:extLst>
-      <p:ext uri="{BB962C8B-B14F-4D97-AF65-F5344CB8AC3E}">
-        <p14:creationId xmlns:p14="http://schemas.microsoft.com/office/powerpoint/2010/main" val="2370956290"/>
-      </p:ext>
-    </p:extLst>
-  </p:cSld>
-  <p:clrMapOvr>
-    <a:masterClrMapping/>
-  </p:clrMapOvr>
-</p:sld>
-</file>
-
 <file path=ppt/slides/slide8.xml><?xml version="1.0" encoding="utf-8"?>
 <p:sld xmlns:a="http://schemas.openxmlformats.org/drawingml/2006/main" xmlns:r="http://schemas.openxmlformats.org/officeDocument/2006/relationships" xmlns:p="http://schemas.openxmlformats.org/presentationml/2006/main">
   <p:cSld>
@@ -8990,7 +9084,7 @@
           <p:cNvPr id="2" name="タイトル 1">
             <a:extLst>
               <a:ext uri="{FF2B5EF4-FFF2-40B4-BE49-F238E27FC236}">
-                <a16:creationId xmlns:a16="http://schemas.microsoft.com/office/drawing/2014/main" id="{C8F8CD8F-894B-91AE-10B1-5B07B33B48F7}"/>
+                <a16:creationId xmlns:a16="http://schemas.microsoft.com/office/drawing/2014/main" id="{EE565518-F20A-3679-1423-120BA8829563}"/>
               </a:ext>
             </a:extLst>
           </p:cNvPr>
@@ -9001,185 +9095,51 @@
             <p:ph type="title"/>
           </p:nvPr>
         </p:nvSpPr>
-        <p:spPr>
-          <a:xfrm>
-            <a:off x="838200" y="365125"/>
-            <a:ext cx="10515600" cy="1773391"/>
-          </a:xfrm>
-        </p:spPr>
-        <p:txBody>
-          <a:bodyPr>
-            <a:normAutofit/>
-          </a:bodyPr>
-          <a:lstStyle/>
-          <a:p>
-            <a:r>
-              <a:rPr kumimoji="1" lang="ja-JP" altLang="en-US" sz="2800" dirty="0"/>
-              <a:t>「</a:t>
-            </a:r>
-            <a:r>
-              <a:rPr kumimoji="1" lang="en-US" altLang="ja-JP" sz="2800" dirty="0"/>
-              <a:t>react </a:t>
-            </a:r>
-            <a:r>
-              <a:rPr kumimoji="1" lang="en-US" altLang="ja-JP" sz="2800" dirty="0" err="1"/>
-              <a:t>api</a:t>
-            </a:r>
-            <a:r>
-              <a:rPr kumimoji="1" lang="en-US" altLang="ja-JP" sz="2800" dirty="0"/>
-              <a:t> </a:t>
-            </a:r>
-            <a:r>
-              <a:rPr kumimoji="1" lang="ja-JP" altLang="en-US" sz="2800" dirty="0"/>
-              <a:t>呼出し</a:t>
-            </a:r>
-            <a:r>
-              <a:rPr lang="ja-JP" altLang="en-US" sz="2800" dirty="0"/>
-              <a:t>」</a:t>
-            </a:r>
-            <a:br>
-              <a:rPr lang="en-US" altLang="ja-JP" dirty="0"/>
-            </a:br>
-            <a:r>
-              <a:rPr lang="ja-JP" altLang="en-US" sz="3100" dirty="0">
-                <a:hlinkClick r:id="rId2"/>
-              </a:rPr>
-              <a:t>チュートリアル</a:t>
-            </a:r>
-            <a:r>
-              <a:rPr lang="en-US" altLang="ja-JP" sz="3100" dirty="0">
-                <a:hlinkClick r:id="rId2"/>
-              </a:rPr>
-              <a:t>: React </a:t>
-            </a:r>
-            <a:r>
-              <a:rPr lang="ja-JP" altLang="en-US" sz="3100" dirty="0">
-                <a:hlinkClick r:id="rId2"/>
-              </a:rPr>
-              <a:t>シングルページ アプリから </a:t>
-            </a:r>
-            <a:r>
-              <a:rPr lang="en-US" altLang="ja-JP" sz="3100" dirty="0">
-                <a:hlinkClick r:id="rId2"/>
-              </a:rPr>
-              <a:t>Microsoft Graph API </a:t>
-            </a:r>
-            <a:r>
-              <a:rPr lang="ja-JP" altLang="en-US" sz="3100" dirty="0">
-                <a:hlinkClick r:id="rId2"/>
-              </a:rPr>
-              <a:t>を呼び出す</a:t>
-            </a:r>
-            <a:endParaRPr kumimoji="1" lang="ja-JP" altLang="en-US" sz="3100" dirty="0"/>
-          </a:p>
-        </p:txBody>
-      </p:sp>
-      <p:sp>
-        <p:nvSpPr>
-          <p:cNvPr id="3" name="コンテンツ プレースホルダー 2">
-            <a:extLst>
-              <a:ext uri="{FF2B5EF4-FFF2-40B4-BE49-F238E27FC236}">
-                <a16:creationId xmlns:a16="http://schemas.microsoft.com/office/drawing/2014/main" id="{41398809-24CF-8052-76AD-A797EE7348E6}"/>
-              </a:ext>
-            </a:extLst>
-          </p:cNvPr>
-          <p:cNvSpPr>
-            <a:spLocks noGrp="1"/>
-          </p:cNvSpPr>
-          <p:nvPr>
-            <p:ph idx="1"/>
-          </p:nvPr>
-        </p:nvSpPr>
-        <p:spPr>
-          <a:xfrm>
-            <a:off x="838200" y="2286000"/>
-            <a:ext cx="10515600" cy="3890962"/>
-          </a:xfrm>
-        </p:spPr>
+        <p:spPr/>
         <p:txBody>
           <a:bodyPr/>
           <a:lstStyle/>
           <a:p>
-            <a:r>
-              <a:rPr kumimoji="1" lang="ja-JP" altLang="en-US" dirty="0">
-                <a:hlinkClick r:id="rId3"/>
-              </a:rPr>
-              <a:t>サンプル</a:t>
-            </a:r>
-            <a:r>
-              <a:rPr kumimoji="1" lang="ja-JP" altLang="en-US" dirty="0"/>
-              <a:t>は</a:t>
-            </a:r>
             <a:r>
               <a:rPr kumimoji="1" lang="en-US" altLang="ja-JP" dirty="0"/>
               <a:t>API</a:t>
             </a:r>
             <a:r>
               <a:rPr kumimoji="1" lang="ja-JP" altLang="en-US" dirty="0"/>
-              <a:t>呼出しだけでなく、</a:t>
-            </a:r>
-            <a:r>
-              <a:rPr kumimoji="1" lang="en-US" altLang="ja-JP" dirty="0"/>
-              <a:t>React</a:t>
-            </a:r>
-            <a:r>
-              <a:rPr kumimoji="1" lang="ja-JP" altLang="en-US" dirty="0"/>
-              <a:t>のアプリはどんな構成なのか？を把握するのにも利用しました。</a:t>
-            </a:r>
-          </a:p>
-        </p:txBody>
-      </p:sp>
-      <p:sp>
-        <p:nvSpPr>
-          <p:cNvPr id="4" name="四角形: 角を丸くする 3">
-            <a:extLst>
-              <a:ext uri="{FF2B5EF4-FFF2-40B4-BE49-F238E27FC236}">
-                <a16:creationId xmlns:a16="http://schemas.microsoft.com/office/drawing/2014/main" id="{152CBA78-4E8B-A98E-2710-AB26577FC8F6}"/>
-              </a:ext>
-            </a:extLst>
-          </p:cNvPr>
-          <p:cNvSpPr/>
-          <p:nvPr/>
-        </p:nvSpPr>
-        <p:spPr>
-          <a:xfrm>
-            <a:off x="11225213" y="103239"/>
-            <a:ext cx="884904" cy="545690"/>
-          </a:xfrm>
-          <a:prstGeom prst="roundRect">
-            <a:avLst/>
-          </a:prstGeom>
-        </p:spPr>
-        <p:style>
-          <a:lnRef idx="3">
-            <a:schemeClr val="lt1"/>
-          </a:lnRef>
-          <a:fillRef idx="1">
-            <a:schemeClr val="accent1"/>
-          </a:fillRef>
-          <a:effectRef idx="1">
-            <a:schemeClr val="accent1"/>
-          </a:effectRef>
-          <a:fontRef idx="minor">
-            <a:schemeClr val="lt1"/>
-          </a:fontRef>
-        </p:style>
-        <p:txBody>
-          <a:bodyPr rtlCol="0" anchor="ctr"/>
-          <a:lstStyle/>
-          <a:p>
-            <a:pPr algn="ctr"/>
-            <a:r>
-              <a:rPr kumimoji="1" lang="ja-JP" altLang="en-US" dirty="0"/>
-              <a:t>参考</a:t>
-            </a:r>
+              <a:t>呼出し</a:t>
+            </a:r>
+          </a:p>
+        </p:txBody>
+      </p:sp>
+      <p:sp>
+        <p:nvSpPr>
+          <p:cNvPr id="3" name="テキスト プレースホルダー 2">
+            <a:extLst>
+              <a:ext uri="{FF2B5EF4-FFF2-40B4-BE49-F238E27FC236}">
+                <a16:creationId xmlns:a16="http://schemas.microsoft.com/office/drawing/2014/main" id="{457F70C2-C38D-39A7-12F3-6C6314F684DC}"/>
+              </a:ext>
+            </a:extLst>
+          </p:cNvPr>
+          <p:cNvSpPr>
+            <a:spLocks noGrp="1"/>
+          </p:cNvSpPr>
+          <p:nvPr>
+            <p:ph type="body" idx="1"/>
+          </p:nvPr>
+        </p:nvSpPr>
+        <p:spPr/>
+        <p:txBody>
+          <a:bodyPr/>
+          <a:lstStyle/>
+          <a:p>
+            <a:endParaRPr kumimoji="1" lang="ja-JP" altLang="en-US"/>
           </a:p>
         </p:txBody>
       </p:sp>
     </p:spTree>
     <p:extLst>
       <p:ext uri="{BB962C8B-B14F-4D97-AF65-F5344CB8AC3E}">
-        <p14:creationId xmlns:p14="http://schemas.microsoft.com/office/powerpoint/2010/main" val="1298628300"/>
+        <p14:creationId xmlns:p14="http://schemas.microsoft.com/office/powerpoint/2010/main" val="2370956290"/>
       </p:ext>
     </p:extLst>
   </p:cSld>
@@ -9206,127 +9166,156 @@
           <a:chExt cx="0" cy="0"/>
         </a:xfrm>
       </p:grpSpPr>
-      <p:pic>
-        <p:nvPicPr>
-          <p:cNvPr id="5" name="図 4">
-            <a:extLst>
-              <a:ext uri="{FF2B5EF4-FFF2-40B4-BE49-F238E27FC236}">
-                <a16:creationId xmlns:a16="http://schemas.microsoft.com/office/drawing/2014/main" id="{41C51E49-E1BA-6E99-A249-91AB209569D7}"/>
-              </a:ext>
-            </a:extLst>
-          </p:cNvPr>
-          <p:cNvPicPr>
-            <a:picLocks noChangeAspect="1"/>
-          </p:cNvPicPr>
-          <p:nvPr/>
-        </p:nvPicPr>
-        <p:blipFill>
-          <a:blip r:embed="rId2"/>
-          <a:stretch>
-            <a:fillRect/>
-          </a:stretch>
-        </p:blipFill>
+      <p:sp>
+        <p:nvSpPr>
+          <p:cNvPr id="2" name="タイトル 1">
+            <a:extLst>
+              <a:ext uri="{FF2B5EF4-FFF2-40B4-BE49-F238E27FC236}">
+                <a16:creationId xmlns:a16="http://schemas.microsoft.com/office/drawing/2014/main" id="{C8F8CD8F-894B-91AE-10B1-5B07B33B48F7}"/>
+              </a:ext>
+            </a:extLst>
+          </p:cNvPr>
+          <p:cNvSpPr>
+            <a:spLocks noGrp="1"/>
+          </p:cNvSpPr>
+          <p:nvPr>
+            <p:ph type="title"/>
+          </p:nvPr>
+        </p:nvSpPr>
         <p:spPr>
           <a:xfrm>
-            <a:off x="342438" y="238125"/>
-            <a:ext cx="10563225" cy="6381750"/>
+            <a:off x="838200" y="365125"/>
+            <a:ext cx="10515600" cy="1773391"/>
           </a:xfrm>
-          <a:prstGeom prst="rect">
-            <a:avLst/>
-          </a:prstGeom>
         </p:spPr>
-      </p:pic>
-      <p:sp>
-        <p:nvSpPr>
-          <p:cNvPr id="6" name="テキスト ボックス 5">
-            <a:extLst>
-              <a:ext uri="{FF2B5EF4-FFF2-40B4-BE49-F238E27FC236}">
-                <a16:creationId xmlns:a16="http://schemas.microsoft.com/office/drawing/2014/main" id="{23FA49A7-5A89-101E-FD24-E3A5BA5F29A0}"/>
-              </a:ext>
-            </a:extLst>
-          </p:cNvPr>
-          <p:cNvSpPr txBox="1"/>
-          <p:nvPr/>
+        <p:txBody>
+          <a:bodyPr>
+            <a:normAutofit/>
+          </a:bodyPr>
+          <a:lstStyle/>
+          <a:p>
+            <a:r>
+              <a:rPr kumimoji="1" lang="ja-JP" altLang="en-US" sz="2800" dirty="0"/>
+              <a:t>「</a:t>
+            </a:r>
+            <a:r>
+              <a:rPr kumimoji="1" lang="en-US" altLang="ja-JP" sz="2800" dirty="0"/>
+              <a:t>react </a:t>
+            </a:r>
+            <a:r>
+              <a:rPr kumimoji="1" lang="en-US" altLang="ja-JP" sz="2800" dirty="0" err="1"/>
+              <a:t>api</a:t>
+            </a:r>
+            <a:r>
+              <a:rPr kumimoji="1" lang="en-US" altLang="ja-JP" sz="2800" dirty="0"/>
+              <a:t> </a:t>
+            </a:r>
+            <a:r>
+              <a:rPr kumimoji="1" lang="ja-JP" altLang="en-US" sz="2800" dirty="0"/>
+              <a:t>呼出し</a:t>
+            </a:r>
+            <a:r>
+              <a:rPr lang="ja-JP" altLang="en-US" sz="2800" dirty="0"/>
+              <a:t>」</a:t>
+            </a:r>
+            <a:br>
+              <a:rPr lang="en-US" altLang="ja-JP" dirty="0"/>
+            </a:br>
+            <a:r>
+              <a:rPr lang="ja-JP" altLang="en-US" sz="3100" dirty="0">
+                <a:hlinkClick r:id="rId2"/>
+              </a:rPr>
+              <a:t>チュートリアル</a:t>
+            </a:r>
+            <a:r>
+              <a:rPr lang="en-US" altLang="ja-JP" sz="3100" dirty="0">
+                <a:hlinkClick r:id="rId2"/>
+              </a:rPr>
+              <a:t>: React </a:t>
+            </a:r>
+            <a:r>
+              <a:rPr lang="ja-JP" altLang="en-US" sz="3100" dirty="0">
+                <a:hlinkClick r:id="rId2"/>
+              </a:rPr>
+              <a:t>シングルページ アプリから </a:t>
+            </a:r>
+            <a:r>
+              <a:rPr lang="en-US" altLang="ja-JP" sz="3100" dirty="0">
+                <a:hlinkClick r:id="rId2"/>
+              </a:rPr>
+              <a:t>Microsoft Graph API </a:t>
+            </a:r>
+            <a:r>
+              <a:rPr lang="ja-JP" altLang="en-US" sz="3100" dirty="0">
+                <a:hlinkClick r:id="rId2"/>
+              </a:rPr>
+              <a:t>を呼び出す</a:t>
+            </a:r>
+            <a:endParaRPr kumimoji="1" lang="ja-JP" altLang="en-US" sz="3100" dirty="0"/>
+          </a:p>
+        </p:txBody>
+      </p:sp>
+      <p:sp>
+        <p:nvSpPr>
+          <p:cNvPr id="3" name="コンテンツ プレースホルダー 2">
+            <a:extLst>
+              <a:ext uri="{FF2B5EF4-FFF2-40B4-BE49-F238E27FC236}">
+                <a16:creationId xmlns:a16="http://schemas.microsoft.com/office/drawing/2014/main" id="{41398809-24CF-8052-76AD-A797EE7348E6}"/>
+              </a:ext>
+            </a:extLst>
+          </p:cNvPr>
+          <p:cNvSpPr>
+            <a:spLocks noGrp="1"/>
+          </p:cNvSpPr>
+          <p:nvPr>
+            <p:ph idx="1"/>
+          </p:nvPr>
         </p:nvSpPr>
         <p:spPr>
           <a:xfrm>
-            <a:off x="7329948" y="4762342"/>
-            <a:ext cx="2411361" cy="369332"/>
+            <a:off x="838200" y="2286000"/>
+            <a:ext cx="10515600" cy="3890962"/>
           </a:xfrm>
-          <a:prstGeom prst="rect">
-            <a:avLst/>
-          </a:prstGeom>
-          <a:solidFill>
-            <a:schemeClr val="accent4">
-              <a:lumMod val="20000"/>
-              <a:lumOff val="80000"/>
-            </a:schemeClr>
-          </a:solidFill>
         </p:spPr>
         <p:txBody>
-          <a:bodyPr wrap="square" rtlCol="0">
-            <a:spAutoFit/>
-          </a:bodyPr>
-          <a:lstStyle/>
-          <a:p>
+          <a:bodyPr/>
+          <a:lstStyle/>
+          <a:p>
+            <a:r>
+              <a:rPr kumimoji="1" lang="ja-JP" altLang="en-US" dirty="0">
+                <a:hlinkClick r:id="rId3"/>
+              </a:rPr>
+              <a:t>サンプル</a:t>
+            </a:r>
+            <a:r>
+              <a:rPr kumimoji="1" lang="ja-JP" altLang="en-US" dirty="0"/>
+              <a:t>は</a:t>
+            </a:r>
             <a:r>
               <a:rPr kumimoji="1" lang="en-US" altLang="ja-JP" dirty="0"/>
               <a:t>API</a:t>
             </a:r>
             <a:r>
               <a:rPr kumimoji="1" lang="ja-JP" altLang="en-US" dirty="0"/>
-              <a:t>の呼び出し方</a:t>
-            </a:r>
-          </a:p>
-        </p:txBody>
-      </p:sp>
-      <p:sp>
-        <p:nvSpPr>
-          <p:cNvPr id="8" name="テキスト ボックス 7">
-            <a:extLst>
-              <a:ext uri="{FF2B5EF4-FFF2-40B4-BE49-F238E27FC236}">
-                <a16:creationId xmlns:a16="http://schemas.microsoft.com/office/drawing/2014/main" id="{E005CC48-9458-C122-30E7-855C0A6472D1}"/>
-              </a:ext>
-            </a:extLst>
-          </p:cNvPr>
-          <p:cNvSpPr txBox="1"/>
-          <p:nvPr/>
-        </p:nvSpPr>
-        <p:spPr>
-          <a:xfrm>
-            <a:off x="2187677" y="1950315"/>
-            <a:ext cx="2900517" cy="646331"/>
-          </a:xfrm>
-          <a:prstGeom prst="rect">
-            <a:avLst/>
-          </a:prstGeom>
-          <a:solidFill>
-            <a:schemeClr val="accent4">
-              <a:lumMod val="20000"/>
-              <a:lumOff val="80000"/>
-            </a:schemeClr>
-          </a:solidFill>
-        </p:spPr>
-        <p:txBody>
-          <a:bodyPr wrap="square" rtlCol="0">
-            <a:spAutoFit/>
-          </a:bodyPr>
-          <a:lstStyle/>
-          <a:p>
-            <a:r>
-              <a:rPr lang="ja-JP" altLang="en-US" dirty="0"/>
-              <a:t>別のファイルに定義した処理の利用方法</a:t>
-            </a:r>
-            <a:endParaRPr kumimoji="1" lang="ja-JP" altLang="en-US" dirty="0"/>
-          </a:p>
-        </p:txBody>
-      </p:sp>
-      <p:sp>
-        <p:nvSpPr>
-          <p:cNvPr id="9" name="四角形: 角を丸くする 8">
-            <a:extLst>
-              <a:ext uri="{FF2B5EF4-FFF2-40B4-BE49-F238E27FC236}">
-                <a16:creationId xmlns:a16="http://schemas.microsoft.com/office/drawing/2014/main" id="{E077724A-D701-7E9B-5ED6-28DA0D77F69D}"/>
+              <a:t>呼出しだけでなく、</a:t>
+            </a:r>
+            <a:r>
+              <a:rPr kumimoji="1" lang="en-US" altLang="ja-JP" dirty="0"/>
+              <a:t>React</a:t>
+            </a:r>
+            <a:r>
+              <a:rPr kumimoji="1" lang="ja-JP" altLang="en-US" dirty="0"/>
+              <a:t>のアプリはどんな構成なのか？を把握するのにも利用しました。</a:t>
+            </a:r>
+          </a:p>
+        </p:txBody>
+      </p:sp>
+      <p:sp>
+        <p:nvSpPr>
+          <p:cNvPr id="4" name="四角形: 角を丸くする 3">
+            <a:extLst>
+              <a:ext uri="{FF2B5EF4-FFF2-40B4-BE49-F238E27FC236}">
+                <a16:creationId xmlns:a16="http://schemas.microsoft.com/office/drawing/2014/main" id="{152CBA78-4E8B-A98E-2710-AB26577FC8F6}"/>
               </a:ext>
             </a:extLst>
           </p:cNvPr>
@@ -9371,7 +9360,7 @@
     </p:spTree>
     <p:extLst>
       <p:ext uri="{BB962C8B-B14F-4D97-AF65-F5344CB8AC3E}">
-        <p14:creationId xmlns:p14="http://schemas.microsoft.com/office/powerpoint/2010/main" val="1681501239"/>
+        <p14:creationId xmlns:p14="http://schemas.microsoft.com/office/powerpoint/2010/main" val="1298628300"/>
       </p:ext>
     </p:extLst>
   </p:cSld>
